--- a/draft_submit/images/GECCO2017.pptx
+++ b/draft_submit/images/GECCO2017.pptx
@@ -15,6 +15,8 @@
     <p:sldId id="270" r:id="rId9"/>
     <p:sldId id="275" r:id="rId10"/>
     <p:sldId id="274" r:id="rId11"/>
+    <p:sldId id="277" r:id="rId12"/>
+    <p:sldId id="278" r:id="rId13"/>
   </p:sldIdLst>
   <p:sldSz cx="6858000" cy="9906000" type="A4"/>
   <p:notesSz cx="7099300" cy="10234613"/>
@@ -1242,11 +1244,11 @@
           <c:showBubbleSize val="0"/>
         </c:dLbls>
         <c:smooth val="0"/>
-        <c:axId val="2128110608"/>
-        <c:axId val="2128113408"/>
+        <c:axId val="2124386944"/>
+        <c:axId val="2124391936"/>
       </c:lineChart>
       <c:catAx>
-        <c:axId val="2128110608"/>
+        <c:axId val="2124386944"/>
         <c:scaling>
           <c:orientation val="minMax"/>
         </c:scaling>
@@ -1255,7 +1257,7 @@
         <c:majorTickMark val="none"/>
         <c:minorTickMark val="none"/>
         <c:tickLblPos val="nextTo"/>
-        <c:crossAx val="2128113408"/>
+        <c:crossAx val="2124391936"/>
         <c:crosses val="autoZero"/>
         <c:auto val="1"/>
         <c:lblAlgn val="ctr"/>
@@ -1263,7 +1265,7 @@
         <c:noMultiLvlLbl val="0"/>
       </c:catAx>
       <c:valAx>
-        <c:axId val="2128113408"/>
+        <c:axId val="2124391936"/>
         <c:scaling>
           <c:orientation val="minMax"/>
           <c:max val="0.92"/>
@@ -1286,7 +1288,7 @@
         <c:majorTickMark val="none"/>
         <c:minorTickMark val="none"/>
         <c:tickLblPos val="nextTo"/>
-        <c:crossAx val="2128110608"/>
+        <c:crossAx val="2124386944"/>
         <c:crosses val="autoZero"/>
         <c:crossBetween val="between"/>
       </c:valAx>
@@ -2287,11 +2289,11 @@
           <c:showBubbleSize val="0"/>
         </c:dLbls>
         <c:smooth val="0"/>
-        <c:axId val="2128251568"/>
-        <c:axId val="2128254352"/>
+        <c:axId val="2123545440"/>
+        <c:axId val="2123548224"/>
       </c:lineChart>
       <c:catAx>
-        <c:axId val="2128251568"/>
+        <c:axId val="2123545440"/>
         <c:scaling>
           <c:orientation val="minMax"/>
         </c:scaling>
@@ -2300,7 +2302,7 @@
         <c:majorTickMark val="none"/>
         <c:minorTickMark val="none"/>
         <c:tickLblPos val="nextTo"/>
-        <c:crossAx val="2128254352"/>
+        <c:crossAx val="2123548224"/>
         <c:crosses val="autoZero"/>
         <c:auto val="1"/>
         <c:lblAlgn val="ctr"/>
@@ -2308,7 +2310,7 @@
         <c:noMultiLvlLbl val="0"/>
       </c:catAx>
       <c:valAx>
-        <c:axId val="2128254352"/>
+        <c:axId val="2123548224"/>
         <c:scaling>
           <c:orientation val="minMax"/>
           <c:max val="0.92"/>
@@ -2331,7 +2333,7 @@
         <c:majorTickMark val="none"/>
         <c:minorTickMark val="none"/>
         <c:tickLblPos val="nextTo"/>
-        <c:crossAx val="2128251568"/>
+        <c:crossAx val="2123545440"/>
         <c:crosses val="autoZero"/>
         <c:crossBetween val="between"/>
       </c:valAx>
@@ -3078,11 +3080,11 @@
           <c:showBubbleSize val="0"/>
         </c:dLbls>
         <c:smooth val="0"/>
-        <c:axId val="2128313936"/>
-        <c:axId val="2128338736"/>
+        <c:axId val="2123614608"/>
+        <c:axId val="2123617824"/>
       </c:lineChart>
       <c:catAx>
-        <c:axId val="2128313936"/>
+        <c:axId val="2123614608"/>
         <c:scaling>
           <c:orientation val="minMax"/>
         </c:scaling>
@@ -3124,7 +3126,7 @@
             <a:endParaRPr lang="ja-JP"/>
           </a:p>
         </c:txPr>
-        <c:crossAx val="2128338736"/>
+        <c:crossAx val="2123617824"/>
         <c:crosses val="autoZero"/>
         <c:auto val="1"/>
         <c:lblAlgn val="ctr"/>
@@ -3132,7 +3134,7 @@
         <c:noMultiLvlLbl val="0"/>
       </c:catAx>
       <c:valAx>
-        <c:axId val="2128338736"/>
+        <c:axId val="2123617824"/>
         <c:scaling>
           <c:orientation val="minMax"/>
         </c:scaling>
@@ -3183,7 +3185,7 @@
             <a:endParaRPr lang="ja-JP"/>
           </a:p>
         </c:txPr>
-        <c:crossAx val="2128313936"/>
+        <c:crossAx val="2123614608"/>
         <c:crosses val="autoZero"/>
         <c:crossBetween val="between"/>
       </c:valAx>
@@ -4182,11 +4184,11 @@
           <c:showBubbleSize val="0"/>
         </c:dLbls>
         <c:smooth val="0"/>
-        <c:axId val="2067666352"/>
-        <c:axId val="2067669872"/>
+        <c:axId val="2125816448"/>
+        <c:axId val="2125819456"/>
       </c:lineChart>
       <c:catAx>
-        <c:axId val="2067666352"/>
+        <c:axId val="2125816448"/>
         <c:scaling>
           <c:orientation val="minMax"/>
         </c:scaling>
@@ -4195,7 +4197,7 @@
         <c:majorTickMark val="none"/>
         <c:minorTickMark val="none"/>
         <c:tickLblPos val="nextTo"/>
-        <c:crossAx val="2067669872"/>
+        <c:crossAx val="2125819456"/>
         <c:crosses val="autoZero"/>
         <c:auto val="1"/>
         <c:lblAlgn val="ctr"/>
@@ -4203,7 +4205,7 @@
         <c:noMultiLvlLbl val="0"/>
       </c:catAx>
       <c:valAx>
-        <c:axId val="2067669872"/>
+        <c:axId val="2125819456"/>
         <c:scaling>
           <c:orientation val="minMax"/>
           <c:max val="0.92"/>
@@ -4226,7 +4228,7 @@
         <c:majorTickMark val="none"/>
         <c:minorTickMark val="none"/>
         <c:tickLblPos val="nextTo"/>
-        <c:crossAx val="2067666352"/>
+        <c:crossAx val="2125816448"/>
         <c:crosses val="autoZero"/>
         <c:crossBetween val="between"/>
       </c:valAx>
@@ -5227,11 +5229,11 @@
           <c:showBubbleSize val="0"/>
         </c:dLbls>
         <c:smooth val="0"/>
-        <c:axId val="2103230112"/>
-        <c:axId val="2103222096"/>
+        <c:axId val="2046519952"/>
+        <c:axId val="2104461264"/>
       </c:lineChart>
       <c:catAx>
-        <c:axId val="2103230112"/>
+        <c:axId val="2046519952"/>
         <c:scaling>
           <c:orientation val="minMax"/>
         </c:scaling>
@@ -5240,7 +5242,7 @@
         <c:majorTickMark val="none"/>
         <c:minorTickMark val="none"/>
         <c:tickLblPos val="nextTo"/>
-        <c:crossAx val="2103222096"/>
+        <c:crossAx val="2104461264"/>
         <c:crosses val="autoZero"/>
         <c:auto val="1"/>
         <c:lblAlgn val="ctr"/>
@@ -5248,7 +5250,7 @@
         <c:noMultiLvlLbl val="0"/>
       </c:catAx>
       <c:valAx>
-        <c:axId val="2103222096"/>
+        <c:axId val="2104461264"/>
         <c:scaling>
           <c:orientation val="minMax"/>
           <c:max val="0.92"/>
@@ -5271,7 +5273,7 @@
         <c:majorTickMark val="none"/>
         <c:minorTickMark val="none"/>
         <c:tickLblPos val="nextTo"/>
-        <c:crossAx val="2103230112"/>
+        <c:crossAx val="2046519952"/>
         <c:crosses val="autoZero"/>
         <c:crossBetween val="between"/>
       </c:valAx>
@@ -6018,11 +6020,11 @@
           <c:showBubbleSize val="0"/>
         </c:dLbls>
         <c:smooth val="0"/>
-        <c:axId val="2118192128"/>
-        <c:axId val="2118195344"/>
+        <c:axId val="2124564656"/>
+        <c:axId val="2124567872"/>
       </c:lineChart>
       <c:catAx>
-        <c:axId val="2118192128"/>
+        <c:axId val="2124564656"/>
         <c:scaling>
           <c:orientation val="minMax"/>
         </c:scaling>
@@ -6064,7 +6066,7 @@
             <a:endParaRPr lang="ja-JP"/>
           </a:p>
         </c:txPr>
-        <c:crossAx val="2118195344"/>
+        <c:crossAx val="2124567872"/>
         <c:crosses val="autoZero"/>
         <c:auto val="1"/>
         <c:lblAlgn val="ctr"/>
@@ -6072,7 +6074,7 @@
         <c:noMultiLvlLbl val="0"/>
       </c:catAx>
       <c:valAx>
-        <c:axId val="2118195344"/>
+        <c:axId val="2124567872"/>
         <c:scaling>
           <c:orientation val="minMax"/>
         </c:scaling>
@@ -6123,7 +6125,7 @@
             <a:endParaRPr lang="ja-JP"/>
           </a:p>
         </c:txPr>
-        <c:crossAx val="2118192128"/>
+        <c:crossAx val="2124564656"/>
         <c:crosses val="autoZero"/>
         <c:crossBetween val="between"/>
       </c:valAx>
@@ -9629,7 +9631,7 @@
           <a:p>
             <a:fld id="{6939597E-02FA-431A-AD18-6607E101F846}" type="datetimeFigureOut">
               <a:rPr kumimoji="1" lang="ja-JP" altLang="en-US" smtClean="0"/>
-              <a:t>2017/2/3</a:t>
+              <a:t>2017/2/6</a:t>
             </a:fld>
             <a:endParaRPr kumimoji="1" lang="ja-JP" altLang="en-US"/>
           </a:p>
@@ -9831,7 +9833,7 @@
           <a:p>
             <a:fld id="{6939597E-02FA-431A-AD18-6607E101F846}" type="datetimeFigureOut">
               <a:rPr kumimoji="1" lang="ja-JP" altLang="en-US" smtClean="0"/>
-              <a:t>2017/2/3</a:t>
+              <a:t>2017/2/6</a:t>
             </a:fld>
             <a:endParaRPr kumimoji="1" lang="ja-JP" altLang="en-US"/>
           </a:p>
@@ -10043,7 +10045,7 @@
           <a:p>
             <a:fld id="{6939597E-02FA-431A-AD18-6607E101F846}" type="datetimeFigureOut">
               <a:rPr kumimoji="1" lang="ja-JP" altLang="en-US" smtClean="0"/>
-              <a:t>2017/2/3</a:t>
+              <a:t>2017/2/6</a:t>
             </a:fld>
             <a:endParaRPr kumimoji="1" lang="ja-JP" altLang="en-US"/>
           </a:p>
@@ -10245,7 +10247,7 @@
           <a:p>
             <a:fld id="{6939597E-02FA-431A-AD18-6607E101F846}" type="datetimeFigureOut">
               <a:rPr kumimoji="1" lang="ja-JP" altLang="en-US" smtClean="0"/>
-              <a:t>2017/2/3</a:t>
+              <a:t>2017/2/6</a:t>
             </a:fld>
             <a:endParaRPr kumimoji="1" lang="ja-JP" altLang="en-US"/>
           </a:p>
@@ -10489,7 +10491,7 @@
           <a:p>
             <a:fld id="{6939597E-02FA-431A-AD18-6607E101F846}" type="datetimeFigureOut">
               <a:rPr kumimoji="1" lang="ja-JP" altLang="en-US" smtClean="0"/>
-              <a:t>2017/2/3</a:t>
+              <a:t>2017/2/6</a:t>
             </a:fld>
             <a:endParaRPr kumimoji="1" lang="ja-JP" altLang="en-US"/>
           </a:p>
@@ -10785,7 +10787,7 @@
           <a:p>
             <a:fld id="{6939597E-02FA-431A-AD18-6607E101F846}" type="datetimeFigureOut">
               <a:rPr kumimoji="1" lang="ja-JP" altLang="en-US" smtClean="0"/>
-              <a:t>2017/2/3</a:t>
+              <a:t>2017/2/6</a:t>
             </a:fld>
             <a:endParaRPr kumimoji="1" lang="ja-JP" altLang="en-US"/>
           </a:p>
@@ -11216,7 +11218,7 @@
           <a:p>
             <a:fld id="{6939597E-02FA-431A-AD18-6607E101F846}" type="datetimeFigureOut">
               <a:rPr kumimoji="1" lang="ja-JP" altLang="en-US" smtClean="0"/>
-              <a:t>2017/2/3</a:t>
+              <a:t>2017/2/6</a:t>
             </a:fld>
             <a:endParaRPr kumimoji="1" lang="ja-JP" altLang="en-US"/>
           </a:p>
@@ -11334,7 +11336,7 @@
           <a:p>
             <a:fld id="{6939597E-02FA-431A-AD18-6607E101F846}" type="datetimeFigureOut">
               <a:rPr kumimoji="1" lang="ja-JP" altLang="en-US" smtClean="0"/>
-              <a:t>2017/2/3</a:t>
+              <a:t>2017/2/6</a:t>
             </a:fld>
             <a:endParaRPr kumimoji="1" lang="ja-JP" altLang="en-US"/>
           </a:p>
@@ -11429,7 +11431,7 @@
           <a:p>
             <a:fld id="{6939597E-02FA-431A-AD18-6607E101F846}" type="datetimeFigureOut">
               <a:rPr kumimoji="1" lang="ja-JP" altLang="en-US" smtClean="0"/>
-              <a:t>2017/2/3</a:t>
+              <a:t>2017/2/6</a:t>
             </a:fld>
             <a:endParaRPr kumimoji="1" lang="ja-JP" altLang="en-US"/>
           </a:p>
@@ -11738,7 +11740,7 @@
           <a:p>
             <a:fld id="{6939597E-02FA-431A-AD18-6607E101F846}" type="datetimeFigureOut">
               <a:rPr kumimoji="1" lang="ja-JP" altLang="en-US" smtClean="0"/>
-              <a:t>2017/2/3</a:t>
+              <a:t>2017/2/6</a:t>
             </a:fld>
             <a:endParaRPr kumimoji="1" lang="ja-JP" altLang="en-US"/>
           </a:p>
@@ -11995,7 +11997,7 @@
           <a:p>
             <a:fld id="{6939597E-02FA-431A-AD18-6607E101F846}" type="datetimeFigureOut">
               <a:rPr kumimoji="1" lang="ja-JP" altLang="en-US" smtClean="0"/>
-              <a:t>2017/2/3</a:t>
+              <a:t>2017/2/6</a:t>
             </a:fld>
             <a:endParaRPr kumimoji="1" lang="ja-JP" altLang="en-US"/>
           </a:p>
@@ -12240,7 +12242,7 @@
           <a:p>
             <a:fld id="{6939597E-02FA-431A-AD18-6607E101F846}" type="datetimeFigureOut">
               <a:rPr kumimoji="1" lang="ja-JP" altLang="en-US" smtClean="0"/>
-              <a:t>2017/2/3</a:t>
+              <a:t>2017/2/6</a:t>
             </a:fld>
             <a:endParaRPr kumimoji="1" lang="ja-JP" altLang="en-US"/>
           </a:p>
@@ -13303,6 +13305,4048 @@
 </p:sld>
 </file>
 
+<file path=ppt/slides/slide11.xml><?xml version="1.0" encoding="utf-8"?>
+<p:sld xmlns:a="http://schemas.openxmlformats.org/drawingml/2006/main" xmlns:r="http://schemas.openxmlformats.org/officeDocument/2006/relationships" xmlns:p="http://schemas.openxmlformats.org/presentationml/2006/main">
+  <p:cSld>
+    <p:spTree>
+      <p:nvGrpSpPr>
+        <p:cNvPr id="1" name=""/>
+        <p:cNvGrpSpPr/>
+        <p:nvPr/>
+      </p:nvGrpSpPr>
+      <p:grpSpPr>
+        <a:xfrm>
+          <a:off x="0" y="0"/>
+          <a:ext cx="0" cy="0"/>
+          <a:chOff x="0" y="0"/>
+          <a:chExt cx="0" cy="0"/>
+        </a:xfrm>
+      </p:grpSpPr>
+      <p:cxnSp>
+        <p:nvCxnSpPr>
+          <p:cNvPr id="62" name="直線矢印コネクタ 61"/>
+          <p:cNvCxnSpPr>
+            <a:stCxn id="47" idx="2"/>
+            <a:endCxn id="58" idx="0"/>
+          </p:cNvCxnSpPr>
+          <p:nvPr/>
+        </p:nvCxnSpPr>
+        <p:spPr>
+          <a:xfrm>
+            <a:off x="2483606" y="6251191"/>
+            <a:ext cx="941520" cy="1044755"/>
+          </a:xfrm>
+          <a:prstGeom prst="straightConnector1">
+            <a:avLst/>
+          </a:prstGeom>
+          <a:ln>
+            <a:tailEnd type="triangle"/>
+          </a:ln>
+        </p:spPr>
+        <p:style>
+          <a:lnRef idx="1">
+            <a:schemeClr val="accent1"/>
+          </a:lnRef>
+          <a:fillRef idx="0">
+            <a:schemeClr val="accent1"/>
+          </a:fillRef>
+          <a:effectRef idx="0">
+            <a:schemeClr val="accent1"/>
+          </a:effectRef>
+          <a:fontRef idx="minor">
+            <a:schemeClr val="tx1"/>
+          </a:fontRef>
+        </p:style>
+      </p:cxnSp>
+      <p:cxnSp>
+        <p:nvCxnSpPr>
+          <p:cNvPr id="57" name="直線矢印コネクタ 56"/>
+          <p:cNvCxnSpPr>
+            <a:stCxn id="25" idx="2"/>
+            <a:endCxn id="53" idx="0"/>
+          </p:cNvCxnSpPr>
+          <p:nvPr/>
+        </p:nvCxnSpPr>
+        <p:spPr>
+          <a:xfrm flipH="1">
+            <a:off x="3425126" y="4085790"/>
+            <a:ext cx="955485" cy="2484362"/>
+          </a:xfrm>
+          <a:prstGeom prst="straightConnector1">
+            <a:avLst/>
+          </a:prstGeom>
+          <a:ln>
+            <a:tailEnd type="triangle"/>
+          </a:ln>
+        </p:spPr>
+        <p:style>
+          <a:lnRef idx="1">
+            <a:schemeClr val="accent1"/>
+          </a:lnRef>
+          <a:fillRef idx="0">
+            <a:schemeClr val="accent1"/>
+          </a:fillRef>
+          <a:effectRef idx="0">
+            <a:schemeClr val="accent1"/>
+          </a:effectRef>
+          <a:fontRef idx="minor">
+            <a:schemeClr val="tx1"/>
+          </a:fontRef>
+        </p:style>
+      </p:cxnSp>
+      <p:sp>
+        <p:nvSpPr>
+          <p:cNvPr id="4" name="正方形/長方形 3"/>
+          <p:cNvSpPr/>
+          <p:nvPr/>
+        </p:nvSpPr>
+        <p:spPr>
+          <a:xfrm>
+            <a:off x="2975200" y="804555"/>
+            <a:ext cx="914400" cy="390144"/>
+          </a:xfrm>
+          <a:prstGeom prst="rect">
+            <a:avLst/>
+          </a:prstGeom>
+          <a:solidFill>
+            <a:schemeClr val="bg1"/>
+          </a:solidFill>
+        </p:spPr>
+        <p:style>
+          <a:lnRef idx="2">
+            <a:schemeClr val="accent1">
+              <a:shade val="50000"/>
+            </a:schemeClr>
+          </a:lnRef>
+          <a:fillRef idx="1">
+            <a:schemeClr val="accent1"/>
+          </a:fillRef>
+          <a:effectRef idx="0">
+            <a:schemeClr val="accent1"/>
+          </a:effectRef>
+          <a:fontRef idx="minor">
+            <a:schemeClr val="lt1"/>
+          </a:fontRef>
+        </p:style>
+        <p:txBody>
+          <a:bodyPr rtlCol="0" anchor="ctr"/>
+          <a:lstStyle/>
+          <a:p>
+            <a:pPr algn="ctr"/>
+            <a:r>
+              <a:rPr kumimoji="1" lang="en-US" altLang="ja-JP" dirty="0" smtClean="0">
+                <a:solidFill>
+                  <a:schemeClr val="tx1"/>
+                </a:solidFill>
+              </a:rPr>
+              <a:t>Input</a:t>
+            </a:r>
+            <a:endParaRPr kumimoji="1" lang="ja-JP" altLang="en-US" dirty="0">
+              <a:solidFill>
+                <a:schemeClr val="tx1"/>
+              </a:solidFill>
+            </a:endParaRPr>
+          </a:p>
+        </p:txBody>
+      </p:sp>
+      <p:sp>
+        <p:nvSpPr>
+          <p:cNvPr id="5" name="正方形/長方形 4"/>
+          <p:cNvSpPr/>
+          <p:nvPr/>
+        </p:nvSpPr>
+        <p:spPr>
+          <a:xfrm>
+            <a:off x="1736725" y="1533780"/>
+            <a:ext cx="1481328" cy="393265"/>
+          </a:xfrm>
+          <a:prstGeom prst="rect">
+            <a:avLst/>
+          </a:prstGeom>
+          <a:solidFill>
+            <a:schemeClr val="bg1"/>
+          </a:solidFill>
+        </p:spPr>
+        <p:style>
+          <a:lnRef idx="2">
+            <a:schemeClr val="accent1">
+              <a:shade val="50000"/>
+            </a:schemeClr>
+          </a:lnRef>
+          <a:fillRef idx="1">
+            <a:schemeClr val="accent1"/>
+          </a:fillRef>
+          <a:effectRef idx="0">
+            <a:schemeClr val="accent1"/>
+          </a:effectRef>
+          <a:fontRef idx="minor">
+            <a:schemeClr val="lt1"/>
+          </a:fontRef>
+        </p:style>
+        <p:txBody>
+          <a:bodyPr rtlCol="0" anchor="ctr"/>
+          <a:lstStyle/>
+          <a:p>
+            <a:pPr algn="ctr"/>
+            <a:r>
+              <a:rPr lang="en-US" altLang="ja-JP" dirty="0" smtClean="0">
+                <a:solidFill>
+                  <a:schemeClr val="tx1"/>
+                </a:solidFill>
+              </a:rPr>
+              <a:t>CB (64, 3)</a:t>
+            </a:r>
+            <a:endParaRPr kumimoji="1" lang="ja-JP" altLang="en-US" dirty="0">
+              <a:solidFill>
+                <a:schemeClr val="tx1"/>
+              </a:solidFill>
+            </a:endParaRPr>
+          </a:p>
+        </p:txBody>
+      </p:sp>
+      <p:sp>
+        <p:nvSpPr>
+          <p:cNvPr id="6" name="正方形/長方形 5"/>
+          <p:cNvSpPr/>
+          <p:nvPr/>
+        </p:nvSpPr>
+        <p:spPr>
+          <a:xfrm>
+            <a:off x="3639947" y="1533780"/>
+            <a:ext cx="1481328" cy="393265"/>
+          </a:xfrm>
+          <a:prstGeom prst="rect">
+            <a:avLst/>
+          </a:prstGeom>
+          <a:solidFill>
+            <a:schemeClr val="bg1"/>
+          </a:solidFill>
+        </p:spPr>
+        <p:style>
+          <a:lnRef idx="2">
+            <a:schemeClr val="accent1">
+              <a:shade val="50000"/>
+            </a:schemeClr>
+          </a:lnRef>
+          <a:fillRef idx="1">
+            <a:schemeClr val="accent1"/>
+          </a:fillRef>
+          <a:effectRef idx="0">
+            <a:schemeClr val="accent1"/>
+          </a:effectRef>
+          <a:fontRef idx="minor">
+            <a:schemeClr val="lt1"/>
+          </a:fontRef>
+        </p:style>
+        <p:txBody>
+          <a:bodyPr rtlCol="0" anchor="ctr"/>
+          <a:lstStyle/>
+          <a:p>
+            <a:pPr algn="ctr"/>
+            <a:r>
+              <a:rPr lang="en-US" altLang="ja-JP" dirty="0" err="1" smtClean="0">
+                <a:solidFill>
+                  <a:schemeClr val="tx1"/>
+                </a:solidFill>
+              </a:rPr>
+              <a:t>Concat</a:t>
+            </a:r>
+            <a:endParaRPr kumimoji="1" lang="ja-JP" altLang="en-US" dirty="0">
+              <a:solidFill>
+                <a:schemeClr val="tx1"/>
+              </a:solidFill>
+            </a:endParaRPr>
+          </a:p>
+        </p:txBody>
+      </p:sp>
+      <p:cxnSp>
+        <p:nvCxnSpPr>
+          <p:cNvPr id="8" name="直線矢印コネクタ 7"/>
+          <p:cNvCxnSpPr>
+            <a:stCxn id="4" idx="2"/>
+            <a:endCxn id="5" idx="0"/>
+          </p:cNvCxnSpPr>
+          <p:nvPr/>
+        </p:nvCxnSpPr>
+        <p:spPr>
+          <a:xfrm flipH="1">
+            <a:off x="2477389" y="1194699"/>
+            <a:ext cx="955011" cy="339081"/>
+          </a:xfrm>
+          <a:prstGeom prst="straightConnector1">
+            <a:avLst/>
+          </a:prstGeom>
+          <a:ln>
+            <a:tailEnd type="triangle"/>
+          </a:ln>
+        </p:spPr>
+        <p:style>
+          <a:lnRef idx="1">
+            <a:schemeClr val="accent1"/>
+          </a:lnRef>
+          <a:fillRef idx="0">
+            <a:schemeClr val="accent1"/>
+          </a:fillRef>
+          <a:effectRef idx="0">
+            <a:schemeClr val="accent1"/>
+          </a:effectRef>
+          <a:fontRef idx="minor">
+            <a:schemeClr val="tx1"/>
+          </a:fontRef>
+        </p:style>
+      </p:cxnSp>
+      <p:cxnSp>
+        <p:nvCxnSpPr>
+          <p:cNvPr id="10" name="直線矢印コネクタ 9"/>
+          <p:cNvCxnSpPr>
+            <a:stCxn id="4" idx="2"/>
+            <a:endCxn id="6" idx="0"/>
+          </p:cNvCxnSpPr>
+          <p:nvPr/>
+        </p:nvCxnSpPr>
+        <p:spPr>
+          <a:xfrm>
+            <a:off x="3432400" y="1194699"/>
+            <a:ext cx="948211" cy="339081"/>
+          </a:xfrm>
+          <a:prstGeom prst="straightConnector1">
+            <a:avLst/>
+          </a:prstGeom>
+          <a:ln>
+            <a:tailEnd type="triangle"/>
+          </a:ln>
+        </p:spPr>
+        <p:style>
+          <a:lnRef idx="1">
+            <a:schemeClr val="accent1"/>
+          </a:lnRef>
+          <a:fillRef idx="0">
+            <a:schemeClr val="accent1"/>
+          </a:fillRef>
+          <a:effectRef idx="0">
+            <a:schemeClr val="accent1"/>
+          </a:effectRef>
+          <a:fontRef idx="minor">
+            <a:schemeClr val="tx1"/>
+          </a:fontRef>
+        </p:style>
+      </p:cxnSp>
+      <p:cxnSp>
+        <p:nvCxnSpPr>
+          <p:cNvPr id="12" name="曲線コネクタ 11"/>
+          <p:cNvCxnSpPr>
+            <a:stCxn id="4" idx="2"/>
+            <a:endCxn id="6" idx="0"/>
+          </p:cNvCxnSpPr>
+          <p:nvPr/>
+        </p:nvCxnSpPr>
+        <p:spPr>
+          <a:xfrm rot="16200000" flipH="1">
+            <a:off x="3736965" y="890133"/>
+            <a:ext cx="339081" cy="948211"/>
+          </a:xfrm>
+          <a:prstGeom prst="curvedConnector3">
+            <a:avLst>
+              <a:gd name="adj1" fmla="val 12546"/>
+            </a:avLst>
+          </a:prstGeom>
+          <a:ln>
+            <a:tailEnd type="triangle"/>
+          </a:ln>
+        </p:spPr>
+        <p:style>
+          <a:lnRef idx="1">
+            <a:schemeClr val="accent1"/>
+          </a:lnRef>
+          <a:fillRef idx="0">
+            <a:schemeClr val="accent1"/>
+          </a:fillRef>
+          <a:effectRef idx="0">
+            <a:schemeClr val="accent1"/>
+          </a:effectRef>
+          <a:fontRef idx="minor">
+            <a:schemeClr val="tx1"/>
+          </a:fontRef>
+        </p:style>
+      </p:cxnSp>
+      <p:sp>
+        <p:nvSpPr>
+          <p:cNvPr id="15" name="正方形/長方形 14"/>
+          <p:cNvSpPr/>
+          <p:nvPr/>
+        </p:nvSpPr>
+        <p:spPr>
+          <a:xfrm>
+            <a:off x="1736725" y="2252663"/>
+            <a:ext cx="1481328" cy="393265"/>
+          </a:xfrm>
+          <a:prstGeom prst="rect">
+            <a:avLst/>
+          </a:prstGeom>
+          <a:solidFill>
+            <a:schemeClr val="bg1"/>
+          </a:solidFill>
+        </p:spPr>
+        <p:style>
+          <a:lnRef idx="2">
+            <a:schemeClr val="accent1">
+              <a:shade val="50000"/>
+            </a:schemeClr>
+          </a:lnRef>
+          <a:fillRef idx="1">
+            <a:schemeClr val="accent1"/>
+          </a:fillRef>
+          <a:effectRef idx="0">
+            <a:schemeClr val="accent1"/>
+          </a:effectRef>
+          <a:fontRef idx="minor">
+            <a:schemeClr val="lt1"/>
+          </a:fontRef>
+        </p:style>
+        <p:txBody>
+          <a:bodyPr rtlCol="0" anchor="ctr"/>
+          <a:lstStyle/>
+          <a:p>
+            <a:pPr algn="ctr"/>
+            <a:r>
+              <a:rPr lang="en-US" altLang="ja-JP" dirty="0" smtClean="0">
+                <a:solidFill>
+                  <a:schemeClr val="tx1"/>
+                </a:solidFill>
+              </a:rPr>
+              <a:t>CB (32, 5)</a:t>
+            </a:r>
+            <a:endParaRPr kumimoji="1" lang="ja-JP" altLang="en-US" dirty="0">
+              <a:solidFill>
+                <a:schemeClr val="tx1"/>
+              </a:solidFill>
+            </a:endParaRPr>
+          </a:p>
+        </p:txBody>
+      </p:sp>
+      <p:sp>
+        <p:nvSpPr>
+          <p:cNvPr id="16" name="正方形/長方形 15"/>
+          <p:cNvSpPr/>
+          <p:nvPr/>
+        </p:nvSpPr>
+        <p:spPr>
+          <a:xfrm>
+            <a:off x="3639947" y="2266126"/>
+            <a:ext cx="1481328" cy="393265"/>
+          </a:xfrm>
+          <a:prstGeom prst="rect">
+            <a:avLst/>
+          </a:prstGeom>
+          <a:solidFill>
+            <a:schemeClr val="bg1"/>
+          </a:solidFill>
+        </p:spPr>
+        <p:style>
+          <a:lnRef idx="2">
+            <a:schemeClr val="accent1">
+              <a:shade val="50000"/>
+            </a:schemeClr>
+          </a:lnRef>
+          <a:fillRef idx="1">
+            <a:schemeClr val="accent1"/>
+          </a:fillRef>
+          <a:effectRef idx="0">
+            <a:schemeClr val="accent1"/>
+          </a:effectRef>
+          <a:fontRef idx="minor">
+            <a:schemeClr val="lt1"/>
+          </a:fontRef>
+        </p:style>
+        <p:txBody>
+          <a:bodyPr rtlCol="0" anchor="ctr"/>
+          <a:lstStyle/>
+          <a:p>
+            <a:pPr algn="ctr"/>
+            <a:r>
+              <a:rPr lang="en-US" altLang="ja-JP" dirty="0" smtClean="0">
+                <a:solidFill>
+                  <a:schemeClr val="tx1"/>
+                </a:solidFill>
+              </a:rPr>
+              <a:t>CB (64, 3)</a:t>
+            </a:r>
+            <a:endParaRPr kumimoji="1" lang="ja-JP" altLang="en-US" dirty="0">
+              <a:solidFill>
+                <a:schemeClr val="tx1"/>
+              </a:solidFill>
+            </a:endParaRPr>
+          </a:p>
+        </p:txBody>
+      </p:sp>
+      <p:sp>
+        <p:nvSpPr>
+          <p:cNvPr id="17" name="正方形/長方形 16"/>
+          <p:cNvSpPr/>
+          <p:nvPr/>
+        </p:nvSpPr>
+        <p:spPr>
+          <a:xfrm>
+            <a:off x="3639947" y="2973388"/>
+            <a:ext cx="1481328" cy="393265"/>
+          </a:xfrm>
+          <a:prstGeom prst="rect">
+            <a:avLst/>
+          </a:prstGeom>
+          <a:solidFill>
+            <a:schemeClr val="bg1"/>
+          </a:solidFill>
+        </p:spPr>
+        <p:style>
+          <a:lnRef idx="2">
+            <a:schemeClr val="accent1">
+              <a:shade val="50000"/>
+            </a:schemeClr>
+          </a:lnRef>
+          <a:fillRef idx="1">
+            <a:schemeClr val="accent1"/>
+          </a:fillRef>
+          <a:effectRef idx="0">
+            <a:schemeClr val="accent1"/>
+          </a:effectRef>
+          <a:fontRef idx="minor">
+            <a:schemeClr val="lt1"/>
+          </a:fontRef>
+        </p:style>
+        <p:txBody>
+          <a:bodyPr rtlCol="0" anchor="ctr"/>
+          <a:lstStyle/>
+          <a:p>
+            <a:pPr algn="ctr"/>
+            <a:r>
+              <a:rPr lang="en-US" altLang="ja-JP" dirty="0" smtClean="0">
+                <a:solidFill>
+                  <a:schemeClr val="tx1"/>
+                </a:solidFill>
+              </a:rPr>
+              <a:t>CB (128, 5)</a:t>
+            </a:r>
+            <a:endParaRPr kumimoji="1" lang="ja-JP" altLang="en-US" dirty="0">
+              <a:solidFill>
+                <a:schemeClr val="tx1"/>
+              </a:solidFill>
+            </a:endParaRPr>
+          </a:p>
+        </p:txBody>
+      </p:sp>
+      <p:cxnSp>
+        <p:nvCxnSpPr>
+          <p:cNvPr id="19" name="直線矢印コネクタ 18"/>
+          <p:cNvCxnSpPr>
+            <a:stCxn id="5" idx="2"/>
+            <a:endCxn id="15" idx="0"/>
+          </p:cNvCxnSpPr>
+          <p:nvPr/>
+        </p:nvCxnSpPr>
+        <p:spPr>
+          <a:xfrm>
+            <a:off x="2477389" y="1927045"/>
+            <a:ext cx="0" cy="325618"/>
+          </a:xfrm>
+          <a:prstGeom prst="straightConnector1">
+            <a:avLst/>
+          </a:prstGeom>
+          <a:ln>
+            <a:tailEnd type="triangle"/>
+          </a:ln>
+        </p:spPr>
+        <p:style>
+          <a:lnRef idx="1">
+            <a:schemeClr val="accent1"/>
+          </a:lnRef>
+          <a:fillRef idx="0">
+            <a:schemeClr val="accent1"/>
+          </a:fillRef>
+          <a:effectRef idx="0">
+            <a:schemeClr val="accent1"/>
+          </a:effectRef>
+          <a:fontRef idx="minor">
+            <a:schemeClr val="tx1"/>
+          </a:fontRef>
+        </p:style>
+      </p:cxnSp>
+      <p:cxnSp>
+        <p:nvCxnSpPr>
+          <p:cNvPr id="21" name="直線矢印コネクタ 20"/>
+          <p:cNvCxnSpPr>
+            <a:stCxn id="6" idx="2"/>
+            <a:endCxn id="16" idx="0"/>
+          </p:cNvCxnSpPr>
+          <p:nvPr/>
+        </p:nvCxnSpPr>
+        <p:spPr>
+          <a:xfrm>
+            <a:off x="4380611" y="1927045"/>
+            <a:ext cx="0" cy="339081"/>
+          </a:xfrm>
+          <a:prstGeom prst="straightConnector1">
+            <a:avLst/>
+          </a:prstGeom>
+          <a:ln>
+            <a:tailEnd type="triangle"/>
+          </a:ln>
+        </p:spPr>
+        <p:style>
+          <a:lnRef idx="1">
+            <a:schemeClr val="accent1"/>
+          </a:lnRef>
+          <a:fillRef idx="0">
+            <a:schemeClr val="accent1"/>
+          </a:fillRef>
+          <a:effectRef idx="0">
+            <a:schemeClr val="accent1"/>
+          </a:effectRef>
+          <a:fontRef idx="minor">
+            <a:schemeClr val="tx1"/>
+          </a:fontRef>
+        </p:style>
+      </p:cxnSp>
+      <p:cxnSp>
+        <p:nvCxnSpPr>
+          <p:cNvPr id="23" name="直線矢印コネクタ 22"/>
+          <p:cNvCxnSpPr>
+            <a:stCxn id="16" idx="2"/>
+            <a:endCxn id="17" idx="0"/>
+          </p:cNvCxnSpPr>
+          <p:nvPr/>
+        </p:nvCxnSpPr>
+        <p:spPr>
+          <a:xfrm>
+            <a:off x="4380611" y="2659391"/>
+            <a:ext cx="0" cy="313997"/>
+          </a:xfrm>
+          <a:prstGeom prst="straightConnector1">
+            <a:avLst/>
+          </a:prstGeom>
+          <a:ln>
+            <a:tailEnd type="triangle"/>
+          </a:ln>
+        </p:spPr>
+        <p:style>
+          <a:lnRef idx="1">
+            <a:schemeClr val="accent1"/>
+          </a:lnRef>
+          <a:fillRef idx="0">
+            <a:schemeClr val="accent1"/>
+          </a:fillRef>
+          <a:effectRef idx="0">
+            <a:schemeClr val="accent1"/>
+          </a:effectRef>
+          <a:fontRef idx="minor">
+            <a:schemeClr val="tx1"/>
+          </a:fontRef>
+        </p:style>
+      </p:cxnSp>
+      <p:sp>
+        <p:nvSpPr>
+          <p:cNvPr id="24" name="正方形/長方形 23"/>
+          <p:cNvSpPr/>
+          <p:nvPr/>
+        </p:nvSpPr>
+        <p:spPr>
+          <a:xfrm>
+            <a:off x="1736725" y="2973388"/>
+            <a:ext cx="1481328" cy="393265"/>
+          </a:xfrm>
+          <a:prstGeom prst="rect">
+            <a:avLst/>
+          </a:prstGeom>
+          <a:solidFill>
+            <a:schemeClr val="bg1"/>
+          </a:solidFill>
+        </p:spPr>
+        <p:style>
+          <a:lnRef idx="2">
+            <a:schemeClr val="accent1">
+              <a:shade val="50000"/>
+            </a:schemeClr>
+          </a:lnRef>
+          <a:fillRef idx="1">
+            <a:schemeClr val="accent1"/>
+          </a:fillRef>
+          <a:effectRef idx="0">
+            <a:schemeClr val="accent1"/>
+          </a:effectRef>
+          <a:fontRef idx="minor">
+            <a:schemeClr val="lt1"/>
+          </a:fontRef>
+        </p:style>
+        <p:txBody>
+          <a:bodyPr rtlCol="0" anchor="ctr"/>
+          <a:lstStyle/>
+          <a:p>
+            <a:pPr algn="ctr"/>
+            <a:r>
+              <a:rPr lang="en-US" altLang="ja-JP" dirty="0" smtClean="0">
+                <a:solidFill>
+                  <a:schemeClr val="tx1"/>
+                </a:solidFill>
+              </a:rPr>
+              <a:t>CB (32, 5)</a:t>
+            </a:r>
+            <a:endParaRPr kumimoji="1" lang="ja-JP" altLang="en-US" dirty="0">
+              <a:solidFill>
+                <a:schemeClr val="tx1"/>
+              </a:solidFill>
+            </a:endParaRPr>
+          </a:p>
+        </p:txBody>
+      </p:sp>
+      <p:sp>
+        <p:nvSpPr>
+          <p:cNvPr id="25" name="正方形/長方形 24"/>
+          <p:cNvSpPr/>
+          <p:nvPr/>
+        </p:nvSpPr>
+        <p:spPr>
+          <a:xfrm>
+            <a:off x="3639947" y="3692525"/>
+            <a:ext cx="1481328" cy="393265"/>
+          </a:xfrm>
+          <a:prstGeom prst="rect">
+            <a:avLst/>
+          </a:prstGeom>
+          <a:solidFill>
+            <a:schemeClr val="bg1"/>
+          </a:solidFill>
+        </p:spPr>
+        <p:style>
+          <a:lnRef idx="2">
+            <a:schemeClr val="accent1">
+              <a:shade val="50000"/>
+            </a:schemeClr>
+          </a:lnRef>
+          <a:fillRef idx="1">
+            <a:schemeClr val="accent1"/>
+          </a:fillRef>
+          <a:effectRef idx="0">
+            <a:schemeClr val="accent1"/>
+          </a:effectRef>
+          <a:fontRef idx="minor">
+            <a:schemeClr val="lt1"/>
+          </a:fontRef>
+        </p:style>
+        <p:txBody>
+          <a:bodyPr rtlCol="0" anchor="ctr"/>
+          <a:lstStyle/>
+          <a:p>
+            <a:pPr algn="ctr"/>
+            <a:r>
+              <a:rPr lang="en-US" altLang="ja-JP" dirty="0" smtClean="0">
+                <a:solidFill>
+                  <a:schemeClr val="tx1"/>
+                </a:solidFill>
+              </a:rPr>
+              <a:t>CB (128, 3)</a:t>
+            </a:r>
+            <a:endParaRPr kumimoji="1" lang="ja-JP" altLang="en-US" dirty="0">
+              <a:solidFill>
+                <a:schemeClr val="tx1"/>
+              </a:solidFill>
+            </a:endParaRPr>
+          </a:p>
+        </p:txBody>
+      </p:sp>
+      <p:sp>
+        <p:nvSpPr>
+          <p:cNvPr id="26" name="正方形/長方形 25"/>
+          <p:cNvSpPr/>
+          <p:nvPr/>
+        </p:nvSpPr>
+        <p:spPr>
+          <a:xfrm>
+            <a:off x="1736725" y="3692525"/>
+            <a:ext cx="1481328" cy="393265"/>
+          </a:xfrm>
+          <a:prstGeom prst="rect">
+            <a:avLst/>
+          </a:prstGeom>
+          <a:solidFill>
+            <a:schemeClr val="bg1"/>
+          </a:solidFill>
+        </p:spPr>
+        <p:style>
+          <a:lnRef idx="2">
+            <a:schemeClr val="accent1">
+              <a:shade val="50000"/>
+            </a:schemeClr>
+          </a:lnRef>
+          <a:fillRef idx="1">
+            <a:schemeClr val="accent1"/>
+          </a:fillRef>
+          <a:effectRef idx="0">
+            <a:schemeClr val="accent1"/>
+          </a:effectRef>
+          <a:fontRef idx="minor">
+            <a:schemeClr val="lt1"/>
+          </a:fontRef>
+        </p:style>
+        <p:txBody>
+          <a:bodyPr rtlCol="0" anchor="ctr"/>
+          <a:lstStyle/>
+          <a:p>
+            <a:pPr algn="ctr"/>
+            <a:r>
+              <a:rPr lang="en-US" altLang="ja-JP" dirty="0" smtClean="0">
+                <a:solidFill>
+                  <a:schemeClr val="tx1"/>
+                </a:solidFill>
+              </a:rPr>
+              <a:t>CB (128, 3)</a:t>
+            </a:r>
+            <a:endParaRPr kumimoji="1" lang="ja-JP" altLang="en-US" dirty="0">
+              <a:solidFill>
+                <a:schemeClr val="tx1"/>
+              </a:solidFill>
+            </a:endParaRPr>
+          </a:p>
+        </p:txBody>
+      </p:sp>
+      <p:cxnSp>
+        <p:nvCxnSpPr>
+          <p:cNvPr id="28" name="直線矢印コネクタ 27"/>
+          <p:cNvCxnSpPr>
+            <a:stCxn id="15" idx="2"/>
+            <a:endCxn id="24" idx="0"/>
+          </p:cNvCxnSpPr>
+          <p:nvPr/>
+        </p:nvCxnSpPr>
+        <p:spPr>
+          <a:xfrm>
+            <a:off x="2477389" y="2645928"/>
+            <a:ext cx="0" cy="327460"/>
+          </a:xfrm>
+          <a:prstGeom prst="straightConnector1">
+            <a:avLst/>
+          </a:prstGeom>
+          <a:ln>
+            <a:tailEnd type="triangle"/>
+          </a:ln>
+        </p:spPr>
+        <p:style>
+          <a:lnRef idx="1">
+            <a:schemeClr val="accent1"/>
+          </a:lnRef>
+          <a:fillRef idx="0">
+            <a:schemeClr val="accent1"/>
+          </a:fillRef>
+          <a:effectRef idx="0">
+            <a:schemeClr val="accent1"/>
+          </a:effectRef>
+          <a:fontRef idx="minor">
+            <a:schemeClr val="tx1"/>
+          </a:fontRef>
+        </p:style>
+      </p:cxnSp>
+      <p:sp>
+        <p:nvSpPr>
+          <p:cNvPr id="33" name="円弧 32"/>
+          <p:cNvSpPr/>
+          <p:nvPr/>
+        </p:nvSpPr>
+        <p:spPr>
+          <a:xfrm>
+            <a:off x="1456841" y="1929539"/>
+            <a:ext cx="1968285" cy="1751308"/>
+          </a:xfrm>
+          <a:prstGeom prst="arc">
+            <a:avLst>
+              <a:gd name="adj1" fmla="val 5266567"/>
+              <a:gd name="adj2" fmla="val 16189389"/>
+            </a:avLst>
+          </a:prstGeom>
+          <a:ln>
+            <a:headEnd type="triangle"/>
+            <a:tailEnd type="none"/>
+          </a:ln>
+        </p:spPr>
+        <p:style>
+          <a:lnRef idx="1">
+            <a:schemeClr val="accent1"/>
+          </a:lnRef>
+          <a:fillRef idx="0">
+            <a:schemeClr val="accent1"/>
+          </a:fillRef>
+          <a:effectRef idx="0">
+            <a:schemeClr val="accent1"/>
+          </a:effectRef>
+          <a:fontRef idx="minor">
+            <a:schemeClr val="tx1"/>
+          </a:fontRef>
+        </p:style>
+        <p:txBody>
+          <a:bodyPr rtlCol="0" anchor="ctr"/>
+          <a:lstStyle/>
+          <a:p>
+            <a:pPr algn="ctr"/>
+            <a:r>
+              <a:rPr kumimoji="1" lang="en-US" altLang="ja-JP" dirty="0" smtClean="0"/>
+              <a:t> </a:t>
+            </a:r>
+            <a:endParaRPr kumimoji="1" lang="ja-JP" altLang="en-US" dirty="0"/>
+          </a:p>
+        </p:txBody>
+      </p:sp>
+      <p:cxnSp>
+        <p:nvCxnSpPr>
+          <p:cNvPr id="35" name="直線矢印コネクタ 34"/>
+          <p:cNvCxnSpPr>
+            <a:stCxn id="17" idx="2"/>
+            <a:endCxn id="25" idx="0"/>
+          </p:cNvCxnSpPr>
+          <p:nvPr/>
+        </p:nvCxnSpPr>
+        <p:spPr>
+          <a:xfrm>
+            <a:off x="4380611" y="3366653"/>
+            <a:ext cx="0" cy="325872"/>
+          </a:xfrm>
+          <a:prstGeom prst="straightConnector1">
+            <a:avLst/>
+          </a:prstGeom>
+          <a:ln>
+            <a:tailEnd type="triangle"/>
+          </a:ln>
+        </p:spPr>
+        <p:style>
+          <a:lnRef idx="1">
+            <a:schemeClr val="accent1"/>
+          </a:lnRef>
+          <a:fillRef idx="0">
+            <a:schemeClr val="accent1"/>
+          </a:fillRef>
+          <a:effectRef idx="0">
+            <a:schemeClr val="accent1"/>
+          </a:effectRef>
+          <a:fontRef idx="minor">
+            <a:schemeClr val="tx1"/>
+          </a:fontRef>
+        </p:style>
+      </p:cxnSp>
+      <p:sp>
+        <p:nvSpPr>
+          <p:cNvPr id="36" name="正方形/長方形 35"/>
+          <p:cNvSpPr/>
+          <p:nvPr/>
+        </p:nvSpPr>
+        <p:spPr>
+          <a:xfrm>
+            <a:off x="1736725" y="4413250"/>
+            <a:ext cx="1481328" cy="393265"/>
+          </a:xfrm>
+          <a:prstGeom prst="rect">
+            <a:avLst/>
+          </a:prstGeom>
+          <a:solidFill>
+            <a:schemeClr val="bg1"/>
+          </a:solidFill>
+        </p:spPr>
+        <p:style>
+          <a:lnRef idx="2">
+            <a:schemeClr val="accent1">
+              <a:shade val="50000"/>
+            </a:schemeClr>
+          </a:lnRef>
+          <a:fillRef idx="1">
+            <a:schemeClr val="accent1"/>
+          </a:fillRef>
+          <a:effectRef idx="0">
+            <a:schemeClr val="accent1"/>
+          </a:effectRef>
+          <a:fontRef idx="minor">
+            <a:schemeClr val="lt1"/>
+          </a:fontRef>
+        </p:style>
+        <p:txBody>
+          <a:bodyPr rtlCol="0" anchor="ctr"/>
+          <a:lstStyle/>
+          <a:p>
+            <a:pPr algn="ctr"/>
+            <a:r>
+              <a:rPr lang="en-US" altLang="ja-JP" dirty="0" smtClean="0">
+                <a:solidFill>
+                  <a:schemeClr val="tx1"/>
+                </a:solidFill>
+              </a:rPr>
+              <a:t>AP</a:t>
+            </a:r>
+            <a:endParaRPr kumimoji="1" lang="ja-JP" altLang="en-US" dirty="0">
+              <a:solidFill>
+                <a:schemeClr val="tx1"/>
+              </a:solidFill>
+            </a:endParaRPr>
+          </a:p>
+        </p:txBody>
+      </p:sp>
+      <p:sp>
+        <p:nvSpPr>
+          <p:cNvPr id="37" name="円弧 36"/>
+          <p:cNvSpPr/>
+          <p:nvPr/>
+        </p:nvSpPr>
+        <p:spPr>
+          <a:xfrm>
+            <a:off x="1493246" y="3381080"/>
+            <a:ext cx="1968285" cy="1032170"/>
+          </a:xfrm>
+          <a:prstGeom prst="arc">
+            <a:avLst>
+              <a:gd name="adj1" fmla="val 5266567"/>
+              <a:gd name="adj2" fmla="val 16189389"/>
+            </a:avLst>
+          </a:prstGeom>
+          <a:ln>
+            <a:headEnd type="triangle"/>
+            <a:tailEnd type="none"/>
+          </a:ln>
+        </p:spPr>
+        <p:style>
+          <a:lnRef idx="1">
+            <a:schemeClr val="accent1"/>
+          </a:lnRef>
+          <a:fillRef idx="0">
+            <a:schemeClr val="accent1"/>
+          </a:fillRef>
+          <a:effectRef idx="0">
+            <a:schemeClr val="accent1"/>
+          </a:effectRef>
+          <a:fontRef idx="minor">
+            <a:schemeClr val="tx1"/>
+          </a:fontRef>
+        </p:style>
+        <p:txBody>
+          <a:bodyPr rtlCol="0" anchor="ctr"/>
+          <a:lstStyle/>
+          <a:p>
+            <a:pPr algn="ctr"/>
+            <a:r>
+              <a:rPr kumimoji="1" lang="en-US" altLang="ja-JP" dirty="0" smtClean="0"/>
+              <a:t> </a:t>
+            </a:r>
+            <a:endParaRPr kumimoji="1" lang="ja-JP" altLang="en-US" dirty="0"/>
+          </a:p>
+        </p:txBody>
+      </p:sp>
+      <p:sp>
+        <p:nvSpPr>
+          <p:cNvPr id="38" name="正方形/長方形 37"/>
+          <p:cNvSpPr/>
+          <p:nvPr/>
+        </p:nvSpPr>
+        <p:spPr>
+          <a:xfrm>
+            <a:off x="3639947" y="4413250"/>
+            <a:ext cx="1481328" cy="393265"/>
+          </a:xfrm>
+          <a:prstGeom prst="rect">
+            <a:avLst/>
+          </a:prstGeom>
+          <a:solidFill>
+            <a:schemeClr val="bg1"/>
+          </a:solidFill>
+        </p:spPr>
+        <p:style>
+          <a:lnRef idx="2">
+            <a:schemeClr val="accent1">
+              <a:shade val="50000"/>
+            </a:schemeClr>
+          </a:lnRef>
+          <a:fillRef idx="1">
+            <a:schemeClr val="accent1"/>
+          </a:fillRef>
+          <a:effectRef idx="0">
+            <a:schemeClr val="accent1"/>
+          </a:effectRef>
+          <a:fontRef idx="minor">
+            <a:schemeClr val="lt1"/>
+          </a:fontRef>
+        </p:style>
+        <p:txBody>
+          <a:bodyPr rtlCol="0" anchor="ctr"/>
+          <a:lstStyle/>
+          <a:p>
+            <a:pPr algn="ctr"/>
+            <a:r>
+              <a:rPr lang="en-US" altLang="ja-JP" dirty="0" smtClean="0">
+                <a:solidFill>
+                  <a:schemeClr val="tx1"/>
+                </a:solidFill>
+              </a:rPr>
+              <a:t>CB(128, 5)</a:t>
+            </a:r>
+            <a:endParaRPr kumimoji="1" lang="ja-JP" altLang="en-US" dirty="0">
+              <a:solidFill>
+                <a:schemeClr val="tx1"/>
+              </a:solidFill>
+            </a:endParaRPr>
+          </a:p>
+        </p:txBody>
+      </p:sp>
+      <p:cxnSp>
+        <p:nvCxnSpPr>
+          <p:cNvPr id="40" name="直線矢印コネクタ 39"/>
+          <p:cNvCxnSpPr>
+            <a:stCxn id="26" idx="2"/>
+            <a:endCxn id="38" idx="0"/>
+          </p:cNvCxnSpPr>
+          <p:nvPr/>
+        </p:nvCxnSpPr>
+        <p:spPr>
+          <a:xfrm>
+            <a:off x="2477389" y="4085790"/>
+            <a:ext cx="1903222" cy="327460"/>
+          </a:xfrm>
+          <a:prstGeom prst="straightConnector1">
+            <a:avLst/>
+          </a:prstGeom>
+          <a:ln>
+            <a:tailEnd type="triangle"/>
+          </a:ln>
+        </p:spPr>
+        <p:style>
+          <a:lnRef idx="1">
+            <a:schemeClr val="accent1"/>
+          </a:lnRef>
+          <a:fillRef idx="0">
+            <a:schemeClr val="accent1"/>
+          </a:fillRef>
+          <a:effectRef idx="0">
+            <a:schemeClr val="accent1"/>
+          </a:effectRef>
+          <a:fontRef idx="minor">
+            <a:schemeClr val="tx1"/>
+          </a:fontRef>
+        </p:style>
+      </p:cxnSp>
+      <p:sp>
+        <p:nvSpPr>
+          <p:cNvPr id="41" name="正方形/長方形 40"/>
+          <p:cNvSpPr/>
+          <p:nvPr/>
+        </p:nvSpPr>
+        <p:spPr>
+          <a:xfrm>
+            <a:off x="3639947" y="5132388"/>
+            <a:ext cx="1481328" cy="393265"/>
+          </a:xfrm>
+          <a:prstGeom prst="rect">
+            <a:avLst/>
+          </a:prstGeom>
+          <a:solidFill>
+            <a:schemeClr val="bg1"/>
+          </a:solidFill>
+        </p:spPr>
+        <p:style>
+          <a:lnRef idx="2">
+            <a:schemeClr val="accent1">
+              <a:shade val="50000"/>
+            </a:schemeClr>
+          </a:lnRef>
+          <a:fillRef idx="1">
+            <a:schemeClr val="accent1"/>
+          </a:fillRef>
+          <a:effectRef idx="0">
+            <a:schemeClr val="accent1"/>
+          </a:effectRef>
+          <a:fontRef idx="minor">
+            <a:schemeClr val="lt1"/>
+          </a:fontRef>
+        </p:style>
+        <p:txBody>
+          <a:bodyPr rtlCol="0" anchor="ctr"/>
+          <a:lstStyle/>
+          <a:p>
+            <a:pPr algn="ctr"/>
+            <a:r>
+              <a:rPr lang="en-US" altLang="ja-JP" dirty="0" smtClean="0">
+                <a:solidFill>
+                  <a:schemeClr val="tx1"/>
+                </a:solidFill>
+              </a:rPr>
+              <a:t>AP</a:t>
+            </a:r>
+            <a:endParaRPr kumimoji="1" lang="ja-JP" altLang="en-US" dirty="0">
+              <a:solidFill>
+                <a:schemeClr val="tx1"/>
+              </a:solidFill>
+            </a:endParaRPr>
+          </a:p>
+        </p:txBody>
+      </p:sp>
+      <p:cxnSp>
+        <p:nvCxnSpPr>
+          <p:cNvPr id="43" name="直線矢印コネクタ 42"/>
+          <p:cNvCxnSpPr>
+            <a:stCxn id="38" idx="2"/>
+            <a:endCxn id="41" idx="0"/>
+          </p:cNvCxnSpPr>
+          <p:nvPr/>
+        </p:nvCxnSpPr>
+        <p:spPr>
+          <a:xfrm>
+            <a:off x="4380611" y="4806515"/>
+            <a:ext cx="0" cy="325873"/>
+          </a:xfrm>
+          <a:prstGeom prst="straightConnector1">
+            <a:avLst/>
+          </a:prstGeom>
+          <a:ln>
+            <a:tailEnd type="triangle"/>
+          </a:ln>
+        </p:spPr>
+        <p:style>
+          <a:lnRef idx="1">
+            <a:schemeClr val="accent1"/>
+          </a:lnRef>
+          <a:fillRef idx="0">
+            <a:schemeClr val="accent1"/>
+          </a:fillRef>
+          <a:effectRef idx="0">
+            <a:schemeClr val="accent1"/>
+          </a:effectRef>
+          <a:fontRef idx="minor">
+            <a:schemeClr val="tx1"/>
+          </a:fontRef>
+        </p:style>
+      </p:cxnSp>
+      <p:sp>
+        <p:nvSpPr>
+          <p:cNvPr id="44" name="正方形/長方形 43"/>
+          <p:cNvSpPr/>
+          <p:nvPr/>
+        </p:nvSpPr>
+        <p:spPr>
+          <a:xfrm>
+            <a:off x="1736724" y="5132133"/>
+            <a:ext cx="1481328" cy="393265"/>
+          </a:xfrm>
+          <a:prstGeom prst="rect">
+            <a:avLst/>
+          </a:prstGeom>
+          <a:solidFill>
+            <a:schemeClr val="bg1"/>
+          </a:solidFill>
+        </p:spPr>
+        <p:style>
+          <a:lnRef idx="2">
+            <a:schemeClr val="accent1">
+              <a:shade val="50000"/>
+            </a:schemeClr>
+          </a:lnRef>
+          <a:fillRef idx="1">
+            <a:schemeClr val="accent1"/>
+          </a:fillRef>
+          <a:effectRef idx="0">
+            <a:schemeClr val="accent1"/>
+          </a:effectRef>
+          <a:fontRef idx="minor">
+            <a:schemeClr val="lt1"/>
+          </a:fontRef>
+        </p:style>
+        <p:txBody>
+          <a:bodyPr rtlCol="0" anchor="ctr"/>
+          <a:lstStyle/>
+          <a:p>
+            <a:pPr algn="ctr"/>
+            <a:r>
+              <a:rPr lang="en-US" altLang="ja-JP" dirty="0" smtClean="0">
+                <a:solidFill>
+                  <a:schemeClr val="tx1"/>
+                </a:solidFill>
+              </a:rPr>
+              <a:t>CB (32, 5)</a:t>
+            </a:r>
+            <a:endParaRPr kumimoji="1" lang="ja-JP" altLang="en-US" dirty="0">
+              <a:solidFill>
+                <a:schemeClr val="tx1"/>
+              </a:solidFill>
+            </a:endParaRPr>
+          </a:p>
+        </p:txBody>
+      </p:sp>
+      <p:cxnSp>
+        <p:nvCxnSpPr>
+          <p:cNvPr id="46" name="直線矢印コネクタ 45"/>
+          <p:cNvCxnSpPr>
+            <a:stCxn id="36" idx="2"/>
+            <a:endCxn id="44" idx="0"/>
+          </p:cNvCxnSpPr>
+          <p:nvPr/>
+        </p:nvCxnSpPr>
+        <p:spPr>
+          <a:xfrm flipH="1">
+            <a:off x="2477388" y="4806515"/>
+            <a:ext cx="1" cy="325618"/>
+          </a:xfrm>
+          <a:prstGeom prst="straightConnector1">
+            <a:avLst/>
+          </a:prstGeom>
+          <a:ln>
+            <a:tailEnd type="triangle"/>
+          </a:ln>
+        </p:spPr>
+        <p:style>
+          <a:lnRef idx="1">
+            <a:schemeClr val="accent1"/>
+          </a:lnRef>
+          <a:fillRef idx="0">
+            <a:schemeClr val="accent1"/>
+          </a:fillRef>
+          <a:effectRef idx="0">
+            <a:schemeClr val="accent1"/>
+          </a:effectRef>
+          <a:fontRef idx="minor">
+            <a:schemeClr val="tx1"/>
+          </a:fontRef>
+        </p:style>
+      </p:cxnSp>
+      <p:sp>
+        <p:nvSpPr>
+          <p:cNvPr id="47" name="正方形/長方形 46"/>
+          <p:cNvSpPr/>
+          <p:nvPr/>
+        </p:nvSpPr>
+        <p:spPr>
+          <a:xfrm>
+            <a:off x="1742942" y="5857926"/>
+            <a:ext cx="1481328" cy="393265"/>
+          </a:xfrm>
+          <a:prstGeom prst="rect">
+            <a:avLst/>
+          </a:prstGeom>
+          <a:solidFill>
+            <a:schemeClr val="bg1"/>
+          </a:solidFill>
+        </p:spPr>
+        <p:style>
+          <a:lnRef idx="2">
+            <a:schemeClr val="accent1">
+              <a:shade val="50000"/>
+            </a:schemeClr>
+          </a:lnRef>
+          <a:fillRef idx="1">
+            <a:schemeClr val="accent1"/>
+          </a:fillRef>
+          <a:effectRef idx="0">
+            <a:schemeClr val="accent1"/>
+          </a:effectRef>
+          <a:fontRef idx="minor">
+            <a:schemeClr val="lt1"/>
+          </a:fontRef>
+        </p:style>
+        <p:txBody>
+          <a:bodyPr rtlCol="0" anchor="ctr"/>
+          <a:lstStyle/>
+          <a:p>
+            <a:pPr algn="ctr"/>
+            <a:r>
+              <a:rPr lang="en-US" altLang="ja-JP" dirty="0" smtClean="0">
+                <a:solidFill>
+                  <a:schemeClr val="tx1"/>
+                </a:solidFill>
+              </a:rPr>
+              <a:t>MP</a:t>
+            </a:r>
+            <a:endParaRPr kumimoji="1" lang="ja-JP" altLang="en-US" dirty="0">
+              <a:solidFill>
+                <a:schemeClr val="tx1"/>
+              </a:solidFill>
+            </a:endParaRPr>
+          </a:p>
+        </p:txBody>
+      </p:sp>
+      <p:cxnSp>
+        <p:nvCxnSpPr>
+          <p:cNvPr id="49" name="直線矢印コネクタ 48"/>
+          <p:cNvCxnSpPr>
+            <a:stCxn id="44" idx="2"/>
+            <a:endCxn id="47" idx="0"/>
+          </p:cNvCxnSpPr>
+          <p:nvPr/>
+        </p:nvCxnSpPr>
+        <p:spPr>
+          <a:xfrm>
+            <a:off x="2477388" y="5525398"/>
+            <a:ext cx="6218" cy="332528"/>
+          </a:xfrm>
+          <a:prstGeom prst="straightConnector1">
+            <a:avLst/>
+          </a:prstGeom>
+          <a:ln>
+            <a:tailEnd type="triangle"/>
+          </a:ln>
+        </p:spPr>
+        <p:style>
+          <a:lnRef idx="1">
+            <a:schemeClr val="accent1"/>
+          </a:lnRef>
+          <a:fillRef idx="0">
+            <a:schemeClr val="accent1"/>
+          </a:fillRef>
+          <a:effectRef idx="0">
+            <a:schemeClr val="accent1"/>
+          </a:effectRef>
+          <a:fontRef idx="minor">
+            <a:schemeClr val="tx1"/>
+          </a:fontRef>
+        </p:style>
+      </p:cxnSp>
+      <p:sp>
+        <p:nvSpPr>
+          <p:cNvPr id="50" name="正方形/長方形 49"/>
+          <p:cNvSpPr/>
+          <p:nvPr/>
+        </p:nvSpPr>
+        <p:spPr>
+          <a:xfrm>
+            <a:off x="3639947" y="5851270"/>
+            <a:ext cx="1481328" cy="393265"/>
+          </a:xfrm>
+          <a:prstGeom prst="rect">
+            <a:avLst/>
+          </a:prstGeom>
+          <a:solidFill>
+            <a:schemeClr val="bg1"/>
+          </a:solidFill>
+        </p:spPr>
+        <p:style>
+          <a:lnRef idx="2">
+            <a:schemeClr val="accent1">
+              <a:shade val="50000"/>
+            </a:schemeClr>
+          </a:lnRef>
+          <a:fillRef idx="1">
+            <a:schemeClr val="accent1"/>
+          </a:fillRef>
+          <a:effectRef idx="0">
+            <a:schemeClr val="accent1"/>
+          </a:effectRef>
+          <a:fontRef idx="minor">
+            <a:schemeClr val="lt1"/>
+          </a:fontRef>
+        </p:style>
+        <p:txBody>
+          <a:bodyPr rtlCol="0" anchor="ctr"/>
+          <a:lstStyle/>
+          <a:p>
+            <a:pPr algn="ctr"/>
+            <a:r>
+              <a:rPr lang="en-US" altLang="ja-JP" dirty="0" smtClean="0">
+                <a:solidFill>
+                  <a:schemeClr val="tx1"/>
+                </a:solidFill>
+              </a:rPr>
+              <a:t>CB (128, 3)</a:t>
+            </a:r>
+            <a:endParaRPr kumimoji="1" lang="ja-JP" altLang="en-US" dirty="0">
+              <a:solidFill>
+                <a:schemeClr val="tx1"/>
+              </a:solidFill>
+            </a:endParaRPr>
+          </a:p>
+        </p:txBody>
+      </p:sp>
+      <p:cxnSp>
+        <p:nvCxnSpPr>
+          <p:cNvPr id="52" name="直線矢印コネクタ 51"/>
+          <p:cNvCxnSpPr>
+            <a:stCxn id="41" idx="2"/>
+            <a:endCxn id="50" idx="0"/>
+          </p:cNvCxnSpPr>
+          <p:nvPr/>
+        </p:nvCxnSpPr>
+        <p:spPr>
+          <a:xfrm>
+            <a:off x="4380611" y="5525653"/>
+            <a:ext cx="0" cy="325617"/>
+          </a:xfrm>
+          <a:prstGeom prst="straightConnector1">
+            <a:avLst/>
+          </a:prstGeom>
+          <a:ln>
+            <a:tailEnd type="triangle"/>
+          </a:ln>
+        </p:spPr>
+        <p:style>
+          <a:lnRef idx="1">
+            <a:schemeClr val="accent1"/>
+          </a:lnRef>
+          <a:fillRef idx="0">
+            <a:schemeClr val="accent1"/>
+          </a:fillRef>
+          <a:effectRef idx="0">
+            <a:schemeClr val="accent1"/>
+          </a:effectRef>
+          <a:fontRef idx="minor">
+            <a:schemeClr val="tx1"/>
+          </a:fontRef>
+        </p:style>
+      </p:cxnSp>
+      <p:sp>
+        <p:nvSpPr>
+          <p:cNvPr id="53" name="正方形/長方形 52"/>
+          <p:cNvSpPr/>
+          <p:nvPr/>
+        </p:nvSpPr>
+        <p:spPr>
+          <a:xfrm>
+            <a:off x="2684462" y="6570152"/>
+            <a:ext cx="1481328" cy="393265"/>
+          </a:xfrm>
+          <a:prstGeom prst="rect">
+            <a:avLst/>
+          </a:prstGeom>
+          <a:solidFill>
+            <a:schemeClr val="bg1"/>
+          </a:solidFill>
+        </p:spPr>
+        <p:style>
+          <a:lnRef idx="2">
+            <a:schemeClr val="accent1">
+              <a:shade val="50000"/>
+            </a:schemeClr>
+          </a:lnRef>
+          <a:fillRef idx="1">
+            <a:schemeClr val="accent1"/>
+          </a:fillRef>
+          <a:effectRef idx="0">
+            <a:schemeClr val="accent1"/>
+          </a:effectRef>
+          <a:fontRef idx="minor">
+            <a:schemeClr val="lt1"/>
+          </a:fontRef>
+        </p:style>
+        <p:txBody>
+          <a:bodyPr rtlCol="0" anchor="ctr"/>
+          <a:lstStyle/>
+          <a:p>
+            <a:pPr algn="ctr"/>
+            <a:r>
+              <a:rPr lang="en-US" altLang="ja-JP" dirty="0" smtClean="0">
+                <a:solidFill>
+                  <a:schemeClr val="tx1"/>
+                </a:solidFill>
+              </a:rPr>
+              <a:t>Sum</a:t>
+            </a:r>
+            <a:endParaRPr kumimoji="1" lang="ja-JP" altLang="en-US" dirty="0">
+              <a:solidFill>
+                <a:schemeClr val="tx1"/>
+              </a:solidFill>
+            </a:endParaRPr>
+          </a:p>
+        </p:txBody>
+      </p:sp>
+      <p:cxnSp>
+        <p:nvCxnSpPr>
+          <p:cNvPr id="55" name="直線矢印コネクタ 54"/>
+          <p:cNvCxnSpPr>
+            <a:stCxn id="50" idx="2"/>
+            <a:endCxn id="53" idx="0"/>
+          </p:cNvCxnSpPr>
+          <p:nvPr/>
+        </p:nvCxnSpPr>
+        <p:spPr>
+          <a:xfrm flipH="1">
+            <a:off x="3425126" y="6244535"/>
+            <a:ext cx="955485" cy="325617"/>
+          </a:xfrm>
+          <a:prstGeom prst="straightConnector1">
+            <a:avLst/>
+          </a:prstGeom>
+          <a:ln>
+            <a:tailEnd type="triangle"/>
+          </a:ln>
+        </p:spPr>
+        <p:style>
+          <a:lnRef idx="1">
+            <a:schemeClr val="accent1"/>
+          </a:lnRef>
+          <a:fillRef idx="0">
+            <a:schemeClr val="accent1"/>
+          </a:fillRef>
+          <a:effectRef idx="0">
+            <a:schemeClr val="accent1"/>
+          </a:effectRef>
+          <a:fontRef idx="minor">
+            <a:schemeClr val="tx1"/>
+          </a:fontRef>
+        </p:style>
+      </p:cxnSp>
+      <p:sp>
+        <p:nvSpPr>
+          <p:cNvPr id="58" name="正方形/長方形 57"/>
+          <p:cNvSpPr/>
+          <p:nvPr/>
+        </p:nvSpPr>
+        <p:spPr>
+          <a:xfrm>
+            <a:off x="2684462" y="7295946"/>
+            <a:ext cx="1481328" cy="393265"/>
+          </a:xfrm>
+          <a:prstGeom prst="rect">
+            <a:avLst/>
+          </a:prstGeom>
+          <a:solidFill>
+            <a:schemeClr val="bg1"/>
+          </a:solidFill>
+        </p:spPr>
+        <p:style>
+          <a:lnRef idx="2">
+            <a:schemeClr val="accent1">
+              <a:shade val="50000"/>
+            </a:schemeClr>
+          </a:lnRef>
+          <a:fillRef idx="1">
+            <a:schemeClr val="accent1"/>
+          </a:fillRef>
+          <a:effectRef idx="0">
+            <a:schemeClr val="accent1"/>
+          </a:effectRef>
+          <a:fontRef idx="minor">
+            <a:schemeClr val="lt1"/>
+          </a:fontRef>
+        </p:style>
+        <p:txBody>
+          <a:bodyPr rtlCol="0" anchor="ctr"/>
+          <a:lstStyle/>
+          <a:p>
+            <a:pPr algn="ctr"/>
+            <a:r>
+              <a:rPr lang="en-US" altLang="ja-JP" dirty="0" smtClean="0">
+                <a:solidFill>
+                  <a:schemeClr val="tx1"/>
+                </a:solidFill>
+              </a:rPr>
+              <a:t>Sum</a:t>
+            </a:r>
+            <a:endParaRPr kumimoji="1" lang="ja-JP" altLang="en-US" dirty="0">
+              <a:solidFill>
+                <a:schemeClr val="tx1"/>
+              </a:solidFill>
+            </a:endParaRPr>
+          </a:p>
+        </p:txBody>
+      </p:sp>
+      <p:cxnSp>
+        <p:nvCxnSpPr>
+          <p:cNvPr id="60" name="直線矢印コネクタ 59"/>
+          <p:cNvCxnSpPr>
+            <a:stCxn id="53" idx="2"/>
+            <a:endCxn id="58" idx="0"/>
+          </p:cNvCxnSpPr>
+          <p:nvPr/>
+        </p:nvCxnSpPr>
+        <p:spPr>
+          <a:xfrm>
+            <a:off x="3425126" y="6963417"/>
+            <a:ext cx="0" cy="332529"/>
+          </a:xfrm>
+          <a:prstGeom prst="straightConnector1">
+            <a:avLst/>
+          </a:prstGeom>
+          <a:ln>
+            <a:tailEnd type="triangle"/>
+          </a:ln>
+        </p:spPr>
+        <p:style>
+          <a:lnRef idx="1">
+            <a:schemeClr val="accent1"/>
+          </a:lnRef>
+          <a:fillRef idx="0">
+            <a:schemeClr val="accent1"/>
+          </a:fillRef>
+          <a:effectRef idx="0">
+            <a:schemeClr val="accent1"/>
+          </a:effectRef>
+          <a:fontRef idx="minor">
+            <a:schemeClr val="tx1"/>
+          </a:fontRef>
+        </p:style>
+      </p:cxnSp>
+      <p:sp>
+        <p:nvSpPr>
+          <p:cNvPr id="63" name="正方形/長方形 62"/>
+          <p:cNvSpPr/>
+          <p:nvPr/>
+        </p:nvSpPr>
+        <p:spPr>
+          <a:xfrm>
+            <a:off x="2688336" y="8014828"/>
+            <a:ext cx="1481328" cy="393265"/>
+          </a:xfrm>
+          <a:prstGeom prst="rect">
+            <a:avLst/>
+          </a:prstGeom>
+          <a:solidFill>
+            <a:schemeClr val="bg1"/>
+          </a:solidFill>
+        </p:spPr>
+        <p:style>
+          <a:lnRef idx="2">
+            <a:schemeClr val="accent1">
+              <a:shade val="50000"/>
+            </a:schemeClr>
+          </a:lnRef>
+          <a:fillRef idx="1">
+            <a:schemeClr val="accent1"/>
+          </a:fillRef>
+          <a:effectRef idx="0">
+            <a:schemeClr val="accent1"/>
+          </a:effectRef>
+          <a:fontRef idx="minor">
+            <a:schemeClr val="lt1"/>
+          </a:fontRef>
+        </p:style>
+        <p:txBody>
+          <a:bodyPr rtlCol="0" anchor="ctr"/>
+          <a:lstStyle/>
+          <a:p>
+            <a:pPr algn="ctr"/>
+            <a:r>
+              <a:rPr lang="en-US" altLang="ja-JP" dirty="0" smtClean="0">
+                <a:solidFill>
+                  <a:schemeClr val="tx1"/>
+                </a:solidFill>
+              </a:rPr>
+              <a:t>Sum</a:t>
+            </a:r>
+            <a:endParaRPr kumimoji="1" lang="ja-JP" altLang="en-US" dirty="0">
+              <a:solidFill>
+                <a:schemeClr val="tx1"/>
+              </a:solidFill>
+            </a:endParaRPr>
+          </a:p>
+        </p:txBody>
+      </p:sp>
+      <p:cxnSp>
+        <p:nvCxnSpPr>
+          <p:cNvPr id="65" name="直線矢印コネクタ 64"/>
+          <p:cNvCxnSpPr>
+            <a:stCxn id="58" idx="2"/>
+            <a:endCxn id="63" idx="0"/>
+          </p:cNvCxnSpPr>
+          <p:nvPr/>
+        </p:nvCxnSpPr>
+        <p:spPr>
+          <a:xfrm>
+            <a:off x="3425126" y="7689211"/>
+            <a:ext cx="3874" cy="325617"/>
+          </a:xfrm>
+          <a:prstGeom prst="straightConnector1">
+            <a:avLst/>
+          </a:prstGeom>
+          <a:ln>
+            <a:tailEnd type="triangle"/>
+          </a:ln>
+        </p:spPr>
+        <p:style>
+          <a:lnRef idx="1">
+            <a:schemeClr val="accent1"/>
+          </a:lnRef>
+          <a:fillRef idx="0">
+            <a:schemeClr val="accent1"/>
+          </a:fillRef>
+          <a:effectRef idx="0">
+            <a:schemeClr val="accent1"/>
+          </a:effectRef>
+          <a:fontRef idx="minor">
+            <a:schemeClr val="tx1"/>
+          </a:fontRef>
+        </p:style>
+      </p:cxnSp>
+      <p:sp>
+        <p:nvSpPr>
+          <p:cNvPr id="66" name="円弧 65"/>
+          <p:cNvSpPr/>
+          <p:nvPr/>
+        </p:nvSpPr>
+        <p:spPr>
+          <a:xfrm>
+            <a:off x="2448257" y="6963417"/>
+            <a:ext cx="1968285" cy="1032170"/>
+          </a:xfrm>
+          <a:prstGeom prst="arc">
+            <a:avLst>
+              <a:gd name="adj1" fmla="val 16123715"/>
+              <a:gd name="adj2" fmla="val 5342355"/>
+            </a:avLst>
+          </a:prstGeom>
+          <a:ln>
+            <a:headEnd type="none"/>
+            <a:tailEnd type="triangle"/>
+          </a:ln>
+        </p:spPr>
+        <p:style>
+          <a:lnRef idx="1">
+            <a:schemeClr val="accent1"/>
+          </a:lnRef>
+          <a:fillRef idx="0">
+            <a:schemeClr val="accent1"/>
+          </a:fillRef>
+          <a:effectRef idx="0">
+            <a:schemeClr val="accent1"/>
+          </a:effectRef>
+          <a:fontRef idx="minor">
+            <a:schemeClr val="tx1"/>
+          </a:fontRef>
+        </p:style>
+        <p:txBody>
+          <a:bodyPr rtlCol="0" anchor="ctr"/>
+          <a:lstStyle/>
+          <a:p>
+            <a:pPr algn="ctr"/>
+            <a:r>
+              <a:rPr kumimoji="1" lang="en-US" altLang="ja-JP" dirty="0" smtClean="0"/>
+              <a:t> </a:t>
+            </a:r>
+            <a:endParaRPr kumimoji="1" lang="ja-JP" altLang="en-US" dirty="0"/>
+          </a:p>
+        </p:txBody>
+      </p:sp>
+      <p:sp>
+        <p:nvSpPr>
+          <p:cNvPr id="67" name="正方形/長方形 66"/>
+          <p:cNvSpPr/>
+          <p:nvPr/>
+        </p:nvSpPr>
+        <p:spPr>
+          <a:xfrm>
+            <a:off x="2684462" y="8740622"/>
+            <a:ext cx="1481328" cy="393265"/>
+          </a:xfrm>
+          <a:prstGeom prst="rect">
+            <a:avLst/>
+          </a:prstGeom>
+          <a:solidFill>
+            <a:schemeClr val="bg1"/>
+          </a:solidFill>
+        </p:spPr>
+        <p:style>
+          <a:lnRef idx="2">
+            <a:schemeClr val="accent1">
+              <a:shade val="50000"/>
+            </a:schemeClr>
+          </a:lnRef>
+          <a:fillRef idx="1">
+            <a:schemeClr val="accent1"/>
+          </a:fillRef>
+          <a:effectRef idx="0">
+            <a:schemeClr val="accent1"/>
+          </a:effectRef>
+          <a:fontRef idx="minor">
+            <a:schemeClr val="lt1"/>
+          </a:fontRef>
+        </p:style>
+        <p:txBody>
+          <a:bodyPr rtlCol="0" anchor="ctr"/>
+          <a:lstStyle/>
+          <a:p>
+            <a:pPr algn="ctr"/>
+            <a:r>
+              <a:rPr lang="en-US" altLang="ja-JP" dirty="0" smtClean="0">
+                <a:solidFill>
+                  <a:schemeClr val="tx1"/>
+                </a:solidFill>
+              </a:rPr>
+              <a:t>CB (128, 5)</a:t>
+            </a:r>
+            <a:endParaRPr kumimoji="1" lang="ja-JP" altLang="en-US" dirty="0">
+              <a:solidFill>
+                <a:schemeClr val="tx1"/>
+              </a:solidFill>
+            </a:endParaRPr>
+          </a:p>
+        </p:txBody>
+      </p:sp>
+      <p:sp>
+        <p:nvSpPr>
+          <p:cNvPr id="68" name="正方形/長方形 67"/>
+          <p:cNvSpPr/>
+          <p:nvPr/>
+        </p:nvSpPr>
+        <p:spPr>
+          <a:xfrm>
+            <a:off x="2684462" y="9453563"/>
+            <a:ext cx="1480384" cy="390144"/>
+          </a:xfrm>
+          <a:prstGeom prst="rect">
+            <a:avLst/>
+          </a:prstGeom>
+          <a:solidFill>
+            <a:schemeClr val="bg1"/>
+          </a:solidFill>
+        </p:spPr>
+        <p:style>
+          <a:lnRef idx="2">
+            <a:schemeClr val="accent1">
+              <a:shade val="50000"/>
+            </a:schemeClr>
+          </a:lnRef>
+          <a:fillRef idx="1">
+            <a:schemeClr val="accent1"/>
+          </a:fillRef>
+          <a:effectRef idx="0">
+            <a:schemeClr val="accent1"/>
+          </a:effectRef>
+          <a:fontRef idx="minor">
+            <a:schemeClr val="lt1"/>
+          </a:fontRef>
+        </p:style>
+        <p:txBody>
+          <a:bodyPr rtlCol="0" anchor="ctr"/>
+          <a:lstStyle/>
+          <a:p>
+            <a:pPr algn="ctr"/>
+            <a:r>
+              <a:rPr lang="en-US" altLang="ja-JP" dirty="0" err="1">
+                <a:solidFill>
+                  <a:schemeClr val="tx1"/>
+                </a:solidFill>
+              </a:rPr>
+              <a:t>S</a:t>
+            </a:r>
+            <a:r>
+              <a:rPr lang="en-US" altLang="ja-JP" dirty="0" err="1" smtClean="0">
+                <a:solidFill>
+                  <a:schemeClr val="tx1"/>
+                </a:solidFill>
+              </a:rPr>
+              <a:t>oftmax</a:t>
+            </a:r>
+            <a:endParaRPr kumimoji="1" lang="ja-JP" altLang="en-US" dirty="0">
+              <a:solidFill>
+                <a:schemeClr val="tx1"/>
+              </a:solidFill>
+            </a:endParaRPr>
+          </a:p>
+        </p:txBody>
+      </p:sp>
+      <p:cxnSp>
+        <p:nvCxnSpPr>
+          <p:cNvPr id="70" name="直線矢印コネクタ 69"/>
+          <p:cNvCxnSpPr>
+            <a:stCxn id="63" idx="2"/>
+            <a:endCxn id="67" idx="0"/>
+          </p:cNvCxnSpPr>
+          <p:nvPr/>
+        </p:nvCxnSpPr>
+        <p:spPr>
+          <a:xfrm flipH="1">
+            <a:off x="3425126" y="8408093"/>
+            <a:ext cx="3874" cy="332529"/>
+          </a:xfrm>
+          <a:prstGeom prst="straightConnector1">
+            <a:avLst/>
+          </a:prstGeom>
+          <a:ln>
+            <a:tailEnd type="triangle"/>
+          </a:ln>
+        </p:spPr>
+        <p:style>
+          <a:lnRef idx="1">
+            <a:schemeClr val="accent1"/>
+          </a:lnRef>
+          <a:fillRef idx="0">
+            <a:schemeClr val="accent1"/>
+          </a:fillRef>
+          <a:effectRef idx="0">
+            <a:schemeClr val="accent1"/>
+          </a:effectRef>
+          <a:fontRef idx="minor">
+            <a:schemeClr val="tx1"/>
+          </a:fontRef>
+        </p:style>
+      </p:cxnSp>
+      <p:cxnSp>
+        <p:nvCxnSpPr>
+          <p:cNvPr id="72" name="直線矢印コネクタ 71"/>
+          <p:cNvCxnSpPr>
+            <a:stCxn id="67" idx="2"/>
+            <a:endCxn id="68" idx="0"/>
+          </p:cNvCxnSpPr>
+          <p:nvPr/>
+        </p:nvCxnSpPr>
+        <p:spPr>
+          <a:xfrm flipH="1">
+            <a:off x="3424654" y="9133887"/>
+            <a:ext cx="472" cy="319676"/>
+          </a:xfrm>
+          <a:prstGeom prst="straightConnector1">
+            <a:avLst/>
+          </a:prstGeom>
+          <a:ln>
+            <a:tailEnd type="triangle"/>
+          </a:ln>
+        </p:spPr>
+        <p:style>
+          <a:lnRef idx="1">
+            <a:schemeClr val="accent1"/>
+          </a:lnRef>
+          <a:fillRef idx="0">
+            <a:schemeClr val="accent1"/>
+          </a:fillRef>
+          <a:effectRef idx="0">
+            <a:schemeClr val="accent1"/>
+          </a:effectRef>
+          <a:fontRef idx="minor">
+            <a:schemeClr val="tx1"/>
+          </a:fontRef>
+        </p:style>
+      </p:cxnSp>
+    </p:spTree>
+    <p:extLst>
+      <p:ext uri="{BB962C8B-B14F-4D97-AF65-F5344CB8AC3E}">
+        <p14:creationId xmlns:p14="http://schemas.microsoft.com/office/powerpoint/2010/main" val="1492444234"/>
+      </p:ext>
+    </p:extLst>
+  </p:cSld>
+  <p:clrMapOvr>
+    <a:masterClrMapping/>
+  </p:clrMapOvr>
+</p:sld>
+</file>
+
+<file path=ppt/slides/slide12.xml><?xml version="1.0" encoding="utf-8"?>
+<p:sld xmlns:a="http://schemas.openxmlformats.org/drawingml/2006/main" xmlns:r="http://schemas.openxmlformats.org/officeDocument/2006/relationships" xmlns:p="http://schemas.openxmlformats.org/presentationml/2006/main">
+  <p:cSld>
+    <p:spTree>
+      <p:nvGrpSpPr>
+        <p:cNvPr id="1" name=""/>
+        <p:cNvGrpSpPr/>
+        <p:nvPr/>
+      </p:nvGrpSpPr>
+      <p:grpSpPr>
+        <a:xfrm>
+          <a:off x="0" y="0"/>
+          <a:ext cx="0" cy="0"/>
+          <a:chOff x="0" y="0"/>
+          <a:chExt cx="0" cy="0"/>
+        </a:xfrm>
+      </p:grpSpPr>
+      <p:grpSp>
+        <p:nvGrpSpPr>
+          <p:cNvPr id="74" name="図形グループ 73"/>
+          <p:cNvGrpSpPr/>
+          <p:nvPr/>
+        </p:nvGrpSpPr>
+        <p:grpSpPr>
+          <a:xfrm>
+            <a:off x="949912" y="804555"/>
+            <a:ext cx="4948540" cy="8319760"/>
+            <a:chOff x="949912" y="804555"/>
+            <a:chExt cx="4948540" cy="8319760"/>
+          </a:xfrm>
+        </p:grpSpPr>
+        <p:cxnSp>
+          <p:nvCxnSpPr>
+            <p:cNvPr id="68" name="直線矢印コネクタ 67"/>
+            <p:cNvCxnSpPr>
+              <a:stCxn id="61" idx="2"/>
+              <a:endCxn id="64" idx="0"/>
+            </p:cNvCxnSpPr>
+            <p:nvPr/>
+          </p:nvCxnSpPr>
+          <p:spPr>
+            <a:xfrm>
+              <a:off x="1690576" y="4806515"/>
+              <a:ext cx="1733606" cy="2486460"/>
+            </a:xfrm>
+            <a:prstGeom prst="straightConnector1">
+              <a:avLst/>
+            </a:prstGeom>
+            <a:ln>
+              <a:tailEnd type="triangle"/>
+            </a:ln>
+          </p:spPr>
+          <p:style>
+            <a:lnRef idx="1">
+              <a:schemeClr val="accent1"/>
+            </a:lnRef>
+            <a:fillRef idx="0">
+              <a:schemeClr val="accent1"/>
+            </a:fillRef>
+            <a:effectRef idx="0">
+              <a:schemeClr val="accent1"/>
+            </a:effectRef>
+            <a:fontRef idx="minor">
+              <a:schemeClr val="tx1"/>
+            </a:fontRef>
+          </p:style>
+        </p:cxnSp>
+        <p:cxnSp>
+          <p:nvCxnSpPr>
+            <p:cNvPr id="60" name="直線矢印コネクタ 59"/>
+            <p:cNvCxnSpPr>
+              <a:stCxn id="30" idx="2"/>
+              <a:endCxn id="42" idx="0"/>
+            </p:cNvCxnSpPr>
+            <p:nvPr/>
+          </p:nvCxnSpPr>
+          <p:spPr>
+            <a:xfrm flipH="1">
+              <a:off x="3424182" y="4087378"/>
+              <a:ext cx="1733606" cy="2486460"/>
+            </a:xfrm>
+            <a:prstGeom prst="straightConnector1">
+              <a:avLst/>
+            </a:prstGeom>
+            <a:ln>
+              <a:tailEnd type="triangle"/>
+            </a:ln>
+          </p:spPr>
+          <p:style>
+            <a:lnRef idx="1">
+              <a:schemeClr val="accent1"/>
+            </a:lnRef>
+            <a:fillRef idx="0">
+              <a:schemeClr val="accent1"/>
+            </a:fillRef>
+            <a:effectRef idx="0">
+              <a:schemeClr val="accent1"/>
+            </a:effectRef>
+            <a:fontRef idx="minor">
+              <a:schemeClr val="tx1"/>
+            </a:fontRef>
+          </p:style>
+        </p:cxnSp>
+        <p:sp>
+          <p:nvSpPr>
+            <p:cNvPr id="4" name="正方形/長方形 3"/>
+            <p:cNvSpPr/>
+            <p:nvPr/>
+          </p:nvSpPr>
+          <p:spPr>
+            <a:xfrm>
+              <a:off x="2975200" y="804555"/>
+              <a:ext cx="914400" cy="390144"/>
+            </a:xfrm>
+            <a:prstGeom prst="rect">
+              <a:avLst/>
+            </a:prstGeom>
+            <a:solidFill>
+              <a:schemeClr val="bg1"/>
+            </a:solidFill>
+          </p:spPr>
+          <p:style>
+            <a:lnRef idx="2">
+              <a:schemeClr val="accent1">
+                <a:shade val="50000"/>
+              </a:schemeClr>
+            </a:lnRef>
+            <a:fillRef idx="1">
+              <a:schemeClr val="accent1"/>
+            </a:fillRef>
+            <a:effectRef idx="0">
+              <a:schemeClr val="accent1"/>
+            </a:effectRef>
+            <a:fontRef idx="minor">
+              <a:schemeClr val="lt1"/>
+            </a:fontRef>
+          </p:style>
+          <p:txBody>
+            <a:bodyPr rtlCol="0" anchor="ctr"/>
+            <a:lstStyle/>
+            <a:p>
+              <a:pPr algn="ctr"/>
+              <a:r>
+                <a:rPr kumimoji="1" lang="en-US" altLang="ja-JP" dirty="0" smtClean="0">
+                  <a:solidFill>
+                    <a:schemeClr val="tx1"/>
+                  </a:solidFill>
+                </a:rPr>
+                <a:t>Input</a:t>
+              </a:r>
+              <a:endParaRPr kumimoji="1" lang="ja-JP" altLang="en-US" dirty="0">
+                <a:solidFill>
+                  <a:schemeClr val="tx1"/>
+                </a:solidFill>
+              </a:endParaRPr>
+            </a:p>
+          </p:txBody>
+        </p:sp>
+        <p:sp>
+          <p:nvSpPr>
+            <p:cNvPr id="5" name="正方形/長方形 4"/>
+            <p:cNvSpPr/>
+            <p:nvPr/>
+          </p:nvSpPr>
+          <p:spPr>
+            <a:xfrm>
+              <a:off x="2683518" y="1531938"/>
+              <a:ext cx="1481328" cy="393265"/>
+            </a:xfrm>
+            <a:prstGeom prst="rect">
+              <a:avLst/>
+            </a:prstGeom>
+            <a:solidFill>
+              <a:schemeClr val="bg1"/>
+            </a:solidFill>
+          </p:spPr>
+          <p:style>
+            <a:lnRef idx="2">
+              <a:schemeClr val="accent1">
+                <a:shade val="50000"/>
+              </a:schemeClr>
+            </a:lnRef>
+            <a:fillRef idx="1">
+              <a:schemeClr val="accent1"/>
+            </a:fillRef>
+            <a:effectRef idx="0">
+              <a:schemeClr val="accent1"/>
+            </a:effectRef>
+            <a:fontRef idx="minor">
+              <a:schemeClr val="lt1"/>
+            </a:fontRef>
+          </p:style>
+          <p:txBody>
+            <a:bodyPr rtlCol="0" anchor="ctr"/>
+            <a:lstStyle/>
+            <a:p>
+              <a:pPr algn="ctr"/>
+              <a:r>
+                <a:rPr lang="en-US" altLang="ja-JP" dirty="0" smtClean="0">
+                  <a:solidFill>
+                    <a:schemeClr val="tx1"/>
+                  </a:solidFill>
+                </a:rPr>
+                <a:t>CB (64, 3)</a:t>
+              </a:r>
+              <a:endParaRPr kumimoji="1" lang="ja-JP" altLang="en-US" dirty="0">
+                <a:solidFill>
+                  <a:schemeClr val="tx1"/>
+                </a:solidFill>
+              </a:endParaRPr>
+            </a:p>
+          </p:txBody>
+        </p:sp>
+        <p:sp>
+          <p:nvSpPr>
+            <p:cNvPr id="6" name="正方形/長方形 5"/>
+            <p:cNvSpPr/>
+            <p:nvPr/>
+          </p:nvSpPr>
+          <p:spPr>
+            <a:xfrm>
+              <a:off x="2684462" y="8734171"/>
+              <a:ext cx="1480384" cy="390144"/>
+            </a:xfrm>
+            <a:prstGeom prst="rect">
+              <a:avLst/>
+            </a:prstGeom>
+            <a:solidFill>
+              <a:schemeClr val="bg1"/>
+            </a:solidFill>
+          </p:spPr>
+          <p:style>
+            <a:lnRef idx="2">
+              <a:schemeClr val="accent1">
+                <a:shade val="50000"/>
+              </a:schemeClr>
+            </a:lnRef>
+            <a:fillRef idx="1">
+              <a:schemeClr val="accent1"/>
+            </a:fillRef>
+            <a:effectRef idx="0">
+              <a:schemeClr val="accent1"/>
+            </a:effectRef>
+            <a:fontRef idx="minor">
+              <a:schemeClr val="lt1"/>
+            </a:fontRef>
+          </p:style>
+          <p:txBody>
+            <a:bodyPr rtlCol="0" anchor="ctr"/>
+            <a:lstStyle/>
+            <a:p>
+              <a:pPr algn="ctr"/>
+              <a:r>
+                <a:rPr lang="en-US" altLang="ja-JP" dirty="0" err="1">
+                  <a:solidFill>
+                    <a:schemeClr val="tx1"/>
+                  </a:solidFill>
+                </a:rPr>
+                <a:t>S</a:t>
+              </a:r>
+              <a:r>
+                <a:rPr lang="en-US" altLang="ja-JP" dirty="0" err="1" smtClean="0">
+                  <a:solidFill>
+                    <a:schemeClr val="tx1"/>
+                  </a:solidFill>
+                </a:rPr>
+                <a:t>oftmax</a:t>
+              </a:r>
+              <a:endParaRPr kumimoji="1" lang="ja-JP" altLang="en-US" dirty="0">
+                <a:solidFill>
+                  <a:schemeClr val="tx1"/>
+                </a:solidFill>
+              </a:endParaRPr>
+            </a:p>
+          </p:txBody>
+        </p:sp>
+        <p:sp>
+          <p:nvSpPr>
+            <p:cNvPr id="7" name="正方形/長方形 6"/>
+            <p:cNvSpPr/>
+            <p:nvPr/>
+          </p:nvSpPr>
+          <p:spPr>
+            <a:xfrm>
+              <a:off x="949912" y="1531938"/>
+              <a:ext cx="1481328" cy="393265"/>
+            </a:xfrm>
+            <a:prstGeom prst="rect">
+              <a:avLst/>
+            </a:prstGeom>
+            <a:solidFill>
+              <a:schemeClr val="bg1"/>
+            </a:solidFill>
+          </p:spPr>
+          <p:style>
+            <a:lnRef idx="2">
+              <a:schemeClr val="accent1">
+                <a:shade val="50000"/>
+              </a:schemeClr>
+            </a:lnRef>
+            <a:fillRef idx="1">
+              <a:schemeClr val="accent1"/>
+            </a:fillRef>
+            <a:effectRef idx="0">
+              <a:schemeClr val="accent1"/>
+            </a:effectRef>
+            <a:fontRef idx="minor">
+              <a:schemeClr val="lt1"/>
+            </a:fontRef>
+          </p:style>
+          <p:txBody>
+            <a:bodyPr rtlCol="0" anchor="ctr"/>
+            <a:lstStyle/>
+            <a:p>
+              <a:pPr algn="ctr"/>
+              <a:r>
+                <a:rPr lang="en-US" altLang="ja-JP" dirty="0" smtClean="0">
+                  <a:solidFill>
+                    <a:schemeClr val="tx1"/>
+                  </a:solidFill>
+                </a:rPr>
+                <a:t>CB (32, 5)</a:t>
+              </a:r>
+              <a:endParaRPr kumimoji="1" lang="ja-JP" altLang="en-US" dirty="0">
+                <a:solidFill>
+                  <a:schemeClr val="tx1"/>
+                </a:solidFill>
+              </a:endParaRPr>
+            </a:p>
+          </p:txBody>
+        </p:sp>
+        <p:sp>
+          <p:nvSpPr>
+            <p:cNvPr id="8" name="正方形/長方形 7"/>
+            <p:cNvSpPr/>
+            <p:nvPr/>
+          </p:nvSpPr>
+          <p:spPr>
+            <a:xfrm>
+              <a:off x="4417124" y="1536901"/>
+              <a:ext cx="1481328" cy="393265"/>
+            </a:xfrm>
+            <a:prstGeom prst="rect">
+              <a:avLst/>
+            </a:prstGeom>
+            <a:solidFill>
+              <a:schemeClr val="bg1"/>
+            </a:solidFill>
+          </p:spPr>
+          <p:style>
+            <a:lnRef idx="2">
+              <a:schemeClr val="accent1">
+                <a:shade val="50000"/>
+              </a:schemeClr>
+            </a:lnRef>
+            <a:fillRef idx="1">
+              <a:schemeClr val="accent1"/>
+            </a:fillRef>
+            <a:effectRef idx="0">
+              <a:schemeClr val="accent1"/>
+            </a:effectRef>
+            <a:fontRef idx="minor">
+              <a:schemeClr val="lt1"/>
+            </a:fontRef>
+          </p:style>
+          <p:txBody>
+            <a:bodyPr rtlCol="0" anchor="ctr"/>
+            <a:lstStyle/>
+            <a:p>
+              <a:pPr algn="ctr"/>
+              <a:r>
+                <a:rPr lang="en-US" altLang="ja-JP" dirty="0" err="1" smtClean="0">
+                  <a:solidFill>
+                    <a:schemeClr val="tx1"/>
+                  </a:solidFill>
+                </a:rPr>
+                <a:t>Concat</a:t>
+              </a:r>
+              <a:endParaRPr kumimoji="1" lang="ja-JP" altLang="en-US" dirty="0">
+                <a:solidFill>
+                  <a:schemeClr val="tx1"/>
+                </a:solidFill>
+              </a:endParaRPr>
+            </a:p>
+          </p:txBody>
+        </p:sp>
+        <p:cxnSp>
+          <p:nvCxnSpPr>
+            <p:cNvPr id="10" name="直線矢印コネクタ 9"/>
+            <p:cNvCxnSpPr>
+              <a:stCxn id="4" idx="2"/>
+              <a:endCxn id="7" idx="0"/>
+            </p:cNvCxnSpPr>
+            <p:nvPr/>
+          </p:nvCxnSpPr>
+          <p:spPr>
+            <a:xfrm flipH="1">
+              <a:off x="1690576" y="1194699"/>
+              <a:ext cx="1741824" cy="337239"/>
+            </a:xfrm>
+            <a:prstGeom prst="straightConnector1">
+              <a:avLst/>
+            </a:prstGeom>
+            <a:ln>
+              <a:tailEnd type="triangle"/>
+            </a:ln>
+          </p:spPr>
+          <p:style>
+            <a:lnRef idx="1">
+              <a:schemeClr val="accent1"/>
+            </a:lnRef>
+            <a:fillRef idx="0">
+              <a:schemeClr val="accent1"/>
+            </a:fillRef>
+            <a:effectRef idx="0">
+              <a:schemeClr val="accent1"/>
+            </a:effectRef>
+            <a:fontRef idx="minor">
+              <a:schemeClr val="tx1"/>
+            </a:fontRef>
+          </p:style>
+        </p:cxnSp>
+        <p:cxnSp>
+          <p:nvCxnSpPr>
+            <p:cNvPr id="12" name="直線矢印コネクタ 11"/>
+            <p:cNvCxnSpPr>
+              <a:stCxn id="4" idx="2"/>
+              <a:endCxn id="5" idx="0"/>
+            </p:cNvCxnSpPr>
+            <p:nvPr/>
+          </p:nvCxnSpPr>
+          <p:spPr>
+            <a:xfrm flipH="1">
+              <a:off x="3424182" y="1194699"/>
+              <a:ext cx="8218" cy="337239"/>
+            </a:xfrm>
+            <a:prstGeom prst="straightConnector1">
+              <a:avLst/>
+            </a:prstGeom>
+            <a:ln>
+              <a:tailEnd type="triangle"/>
+            </a:ln>
+          </p:spPr>
+          <p:style>
+            <a:lnRef idx="1">
+              <a:schemeClr val="accent1"/>
+            </a:lnRef>
+            <a:fillRef idx="0">
+              <a:schemeClr val="accent1"/>
+            </a:fillRef>
+            <a:effectRef idx="0">
+              <a:schemeClr val="accent1"/>
+            </a:effectRef>
+            <a:fontRef idx="minor">
+              <a:schemeClr val="tx1"/>
+            </a:fontRef>
+          </p:style>
+        </p:cxnSp>
+        <p:cxnSp>
+          <p:nvCxnSpPr>
+            <p:cNvPr id="14" name="直線矢印コネクタ 13"/>
+            <p:cNvCxnSpPr>
+              <a:stCxn id="4" idx="2"/>
+              <a:endCxn id="8" idx="0"/>
+            </p:cNvCxnSpPr>
+            <p:nvPr/>
+          </p:nvCxnSpPr>
+          <p:spPr>
+            <a:xfrm>
+              <a:off x="3432400" y="1194699"/>
+              <a:ext cx="1725388" cy="342202"/>
+            </a:xfrm>
+            <a:prstGeom prst="straightConnector1">
+              <a:avLst/>
+            </a:prstGeom>
+            <a:ln>
+              <a:tailEnd type="triangle"/>
+            </a:ln>
+          </p:spPr>
+          <p:style>
+            <a:lnRef idx="1">
+              <a:schemeClr val="accent1"/>
+            </a:lnRef>
+            <a:fillRef idx="0">
+              <a:schemeClr val="accent1"/>
+            </a:fillRef>
+            <a:effectRef idx="0">
+              <a:schemeClr val="accent1"/>
+            </a:effectRef>
+            <a:fontRef idx="minor">
+              <a:schemeClr val="tx1"/>
+            </a:fontRef>
+          </p:style>
+        </p:cxnSp>
+        <p:cxnSp>
+          <p:nvCxnSpPr>
+            <p:cNvPr id="18" name="曲線コネクタ 17"/>
+            <p:cNvCxnSpPr>
+              <a:endCxn id="8" idx="0"/>
+            </p:cNvCxnSpPr>
+            <p:nvPr/>
+          </p:nvCxnSpPr>
+          <p:spPr>
+            <a:xfrm>
+              <a:off x="3432400" y="1194698"/>
+              <a:ext cx="1725388" cy="342203"/>
+            </a:xfrm>
+            <a:prstGeom prst="curvedConnector2">
+              <a:avLst/>
+            </a:prstGeom>
+            <a:ln>
+              <a:tailEnd type="triangle"/>
+            </a:ln>
+          </p:spPr>
+          <p:style>
+            <a:lnRef idx="1">
+              <a:schemeClr val="accent1"/>
+            </a:lnRef>
+            <a:fillRef idx="0">
+              <a:schemeClr val="accent1"/>
+            </a:fillRef>
+            <a:effectRef idx="0">
+              <a:schemeClr val="accent1"/>
+            </a:effectRef>
+            <a:fontRef idx="minor">
+              <a:schemeClr val="tx1"/>
+            </a:fontRef>
+          </p:style>
+        </p:cxnSp>
+        <p:sp>
+          <p:nvSpPr>
+            <p:cNvPr id="20" name="正方形/長方形 19"/>
+            <p:cNvSpPr/>
+            <p:nvPr/>
+          </p:nvSpPr>
+          <p:spPr>
+            <a:xfrm>
+              <a:off x="2683518" y="2252663"/>
+              <a:ext cx="1481328" cy="393265"/>
+            </a:xfrm>
+            <a:prstGeom prst="rect">
+              <a:avLst/>
+            </a:prstGeom>
+            <a:solidFill>
+              <a:schemeClr val="bg1"/>
+            </a:solidFill>
+          </p:spPr>
+          <p:style>
+            <a:lnRef idx="2">
+              <a:schemeClr val="accent1">
+                <a:shade val="50000"/>
+              </a:schemeClr>
+            </a:lnRef>
+            <a:fillRef idx="1">
+              <a:schemeClr val="accent1"/>
+            </a:fillRef>
+            <a:effectRef idx="0">
+              <a:schemeClr val="accent1"/>
+            </a:effectRef>
+            <a:fontRef idx="minor">
+              <a:schemeClr val="lt1"/>
+            </a:fontRef>
+          </p:style>
+          <p:txBody>
+            <a:bodyPr rtlCol="0" anchor="ctr"/>
+            <a:lstStyle/>
+            <a:p>
+              <a:pPr algn="ctr"/>
+              <a:r>
+                <a:rPr lang="en-US" altLang="ja-JP" dirty="0" smtClean="0">
+                  <a:solidFill>
+                    <a:schemeClr val="tx1"/>
+                  </a:solidFill>
+                </a:rPr>
+                <a:t>CB (32, 3)</a:t>
+              </a:r>
+              <a:endParaRPr kumimoji="1" lang="ja-JP" altLang="en-US" dirty="0">
+                <a:solidFill>
+                  <a:schemeClr val="tx1"/>
+                </a:solidFill>
+              </a:endParaRPr>
+            </a:p>
+          </p:txBody>
+        </p:sp>
+        <p:sp>
+          <p:nvSpPr>
+            <p:cNvPr id="21" name="正方形/長方形 20"/>
+            <p:cNvSpPr/>
+            <p:nvPr/>
+          </p:nvSpPr>
+          <p:spPr>
+            <a:xfrm>
+              <a:off x="4417124" y="2252663"/>
+              <a:ext cx="1481328" cy="393265"/>
+            </a:xfrm>
+            <a:prstGeom prst="rect">
+              <a:avLst/>
+            </a:prstGeom>
+            <a:solidFill>
+              <a:schemeClr val="bg1"/>
+            </a:solidFill>
+          </p:spPr>
+          <p:style>
+            <a:lnRef idx="2">
+              <a:schemeClr val="accent1">
+                <a:shade val="50000"/>
+              </a:schemeClr>
+            </a:lnRef>
+            <a:fillRef idx="1">
+              <a:schemeClr val="accent1"/>
+            </a:fillRef>
+            <a:effectRef idx="0">
+              <a:schemeClr val="accent1"/>
+            </a:effectRef>
+            <a:fontRef idx="minor">
+              <a:schemeClr val="lt1"/>
+            </a:fontRef>
+          </p:style>
+          <p:txBody>
+            <a:bodyPr rtlCol="0" anchor="ctr"/>
+            <a:lstStyle/>
+            <a:p>
+              <a:pPr algn="ctr"/>
+              <a:r>
+                <a:rPr lang="en-US" altLang="ja-JP" dirty="0" smtClean="0">
+                  <a:solidFill>
+                    <a:schemeClr val="tx1"/>
+                  </a:solidFill>
+                </a:rPr>
+                <a:t>CB (64, 3)</a:t>
+              </a:r>
+              <a:endParaRPr kumimoji="1" lang="ja-JP" altLang="en-US" dirty="0">
+                <a:solidFill>
+                  <a:schemeClr val="tx1"/>
+                </a:solidFill>
+              </a:endParaRPr>
+            </a:p>
+          </p:txBody>
+        </p:sp>
+        <p:sp>
+          <p:nvSpPr>
+            <p:cNvPr id="22" name="正方形/長方形 21"/>
+            <p:cNvSpPr/>
+            <p:nvPr/>
+          </p:nvSpPr>
+          <p:spPr>
+            <a:xfrm>
+              <a:off x="4417124" y="2973388"/>
+              <a:ext cx="1481328" cy="393265"/>
+            </a:xfrm>
+            <a:prstGeom prst="rect">
+              <a:avLst/>
+            </a:prstGeom>
+            <a:solidFill>
+              <a:schemeClr val="bg1"/>
+            </a:solidFill>
+          </p:spPr>
+          <p:style>
+            <a:lnRef idx="2">
+              <a:schemeClr val="accent1">
+                <a:shade val="50000"/>
+              </a:schemeClr>
+            </a:lnRef>
+            <a:fillRef idx="1">
+              <a:schemeClr val="accent1"/>
+            </a:fillRef>
+            <a:effectRef idx="0">
+              <a:schemeClr val="accent1"/>
+            </a:effectRef>
+            <a:fontRef idx="minor">
+              <a:schemeClr val="lt1"/>
+            </a:fontRef>
+          </p:style>
+          <p:txBody>
+            <a:bodyPr rtlCol="0" anchor="ctr"/>
+            <a:lstStyle/>
+            <a:p>
+              <a:pPr algn="ctr"/>
+              <a:r>
+                <a:rPr lang="en-US" altLang="ja-JP" dirty="0" smtClean="0">
+                  <a:solidFill>
+                    <a:schemeClr val="tx1"/>
+                  </a:solidFill>
+                </a:rPr>
+                <a:t>CB (128, 5)</a:t>
+              </a:r>
+              <a:endParaRPr kumimoji="1" lang="ja-JP" altLang="en-US" dirty="0">
+                <a:solidFill>
+                  <a:schemeClr val="tx1"/>
+                </a:solidFill>
+              </a:endParaRPr>
+            </a:p>
+          </p:txBody>
+        </p:sp>
+        <p:cxnSp>
+          <p:nvCxnSpPr>
+            <p:cNvPr id="24" name="直線矢印コネクタ 23"/>
+            <p:cNvCxnSpPr>
+              <a:stCxn id="5" idx="2"/>
+              <a:endCxn id="20" idx="0"/>
+            </p:cNvCxnSpPr>
+            <p:nvPr/>
+          </p:nvCxnSpPr>
+          <p:spPr>
+            <a:xfrm>
+              <a:off x="3424182" y="1925203"/>
+              <a:ext cx="0" cy="327460"/>
+            </a:xfrm>
+            <a:prstGeom prst="straightConnector1">
+              <a:avLst/>
+            </a:prstGeom>
+            <a:ln>
+              <a:tailEnd type="triangle"/>
+            </a:ln>
+          </p:spPr>
+          <p:style>
+            <a:lnRef idx="1">
+              <a:schemeClr val="accent1"/>
+            </a:lnRef>
+            <a:fillRef idx="0">
+              <a:schemeClr val="accent1"/>
+            </a:fillRef>
+            <a:effectRef idx="0">
+              <a:schemeClr val="accent1"/>
+            </a:effectRef>
+            <a:fontRef idx="minor">
+              <a:schemeClr val="tx1"/>
+            </a:fontRef>
+          </p:style>
+        </p:cxnSp>
+        <p:cxnSp>
+          <p:nvCxnSpPr>
+            <p:cNvPr id="26" name="直線矢印コネクタ 25"/>
+            <p:cNvCxnSpPr>
+              <a:stCxn id="8" idx="2"/>
+              <a:endCxn id="21" idx="0"/>
+            </p:cNvCxnSpPr>
+            <p:nvPr/>
+          </p:nvCxnSpPr>
+          <p:spPr>
+            <a:xfrm>
+              <a:off x="5157788" y="1930166"/>
+              <a:ext cx="0" cy="322497"/>
+            </a:xfrm>
+            <a:prstGeom prst="straightConnector1">
+              <a:avLst/>
+            </a:prstGeom>
+            <a:ln>
+              <a:tailEnd type="triangle"/>
+            </a:ln>
+          </p:spPr>
+          <p:style>
+            <a:lnRef idx="1">
+              <a:schemeClr val="accent1"/>
+            </a:lnRef>
+            <a:fillRef idx="0">
+              <a:schemeClr val="accent1"/>
+            </a:fillRef>
+            <a:effectRef idx="0">
+              <a:schemeClr val="accent1"/>
+            </a:effectRef>
+            <a:fontRef idx="minor">
+              <a:schemeClr val="tx1"/>
+            </a:fontRef>
+          </p:style>
+        </p:cxnSp>
+        <p:cxnSp>
+          <p:nvCxnSpPr>
+            <p:cNvPr id="28" name="直線矢印コネクタ 27"/>
+            <p:cNvCxnSpPr>
+              <a:stCxn id="21" idx="2"/>
+              <a:endCxn id="22" idx="0"/>
+            </p:cNvCxnSpPr>
+            <p:nvPr/>
+          </p:nvCxnSpPr>
+          <p:spPr>
+            <a:xfrm>
+              <a:off x="5157788" y="2645928"/>
+              <a:ext cx="0" cy="327460"/>
+            </a:xfrm>
+            <a:prstGeom prst="straightConnector1">
+              <a:avLst/>
+            </a:prstGeom>
+            <a:ln>
+              <a:tailEnd type="triangle"/>
+            </a:ln>
+          </p:spPr>
+          <p:style>
+            <a:lnRef idx="1">
+              <a:schemeClr val="accent1"/>
+            </a:lnRef>
+            <a:fillRef idx="0">
+              <a:schemeClr val="accent1"/>
+            </a:fillRef>
+            <a:effectRef idx="0">
+              <a:schemeClr val="accent1"/>
+            </a:effectRef>
+            <a:fontRef idx="minor">
+              <a:schemeClr val="tx1"/>
+            </a:fontRef>
+          </p:style>
+        </p:cxnSp>
+        <p:sp>
+          <p:nvSpPr>
+            <p:cNvPr id="29" name="正方形/長方形 28"/>
+            <p:cNvSpPr/>
+            <p:nvPr/>
+          </p:nvSpPr>
+          <p:spPr>
+            <a:xfrm>
+              <a:off x="2688336" y="2973387"/>
+              <a:ext cx="1481328" cy="393265"/>
+            </a:xfrm>
+            <a:prstGeom prst="rect">
+              <a:avLst/>
+            </a:prstGeom>
+            <a:solidFill>
+              <a:schemeClr val="bg1"/>
+            </a:solidFill>
+          </p:spPr>
+          <p:style>
+            <a:lnRef idx="2">
+              <a:schemeClr val="accent1">
+                <a:shade val="50000"/>
+              </a:schemeClr>
+            </a:lnRef>
+            <a:fillRef idx="1">
+              <a:schemeClr val="accent1"/>
+            </a:fillRef>
+            <a:effectRef idx="0">
+              <a:schemeClr val="accent1"/>
+            </a:effectRef>
+            <a:fontRef idx="minor">
+              <a:schemeClr val="lt1"/>
+            </a:fontRef>
+          </p:style>
+          <p:txBody>
+            <a:bodyPr rtlCol="0" anchor="ctr"/>
+            <a:lstStyle/>
+            <a:p>
+              <a:pPr algn="ctr"/>
+              <a:r>
+                <a:rPr lang="en-US" altLang="ja-JP" dirty="0" smtClean="0">
+                  <a:solidFill>
+                    <a:schemeClr val="tx1"/>
+                  </a:solidFill>
+                </a:rPr>
+                <a:t>CB (128, 3)</a:t>
+              </a:r>
+              <a:endParaRPr kumimoji="1" lang="ja-JP" altLang="en-US" dirty="0">
+                <a:solidFill>
+                  <a:schemeClr val="tx1"/>
+                </a:solidFill>
+              </a:endParaRPr>
+            </a:p>
+          </p:txBody>
+        </p:sp>
+        <p:sp>
+          <p:nvSpPr>
+            <p:cNvPr id="30" name="正方形/長方形 29"/>
+            <p:cNvSpPr/>
+            <p:nvPr/>
+          </p:nvSpPr>
+          <p:spPr>
+            <a:xfrm>
+              <a:off x="4417124" y="3694113"/>
+              <a:ext cx="1481328" cy="393265"/>
+            </a:xfrm>
+            <a:prstGeom prst="rect">
+              <a:avLst/>
+            </a:prstGeom>
+            <a:solidFill>
+              <a:schemeClr val="bg1"/>
+            </a:solidFill>
+          </p:spPr>
+          <p:style>
+            <a:lnRef idx="2">
+              <a:schemeClr val="accent1">
+                <a:shade val="50000"/>
+              </a:schemeClr>
+            </a:lnRef>
+            <a:fillRef idx="1">
+              <a:schemeClr val="accent1"/>
+            </a:fillRef>
+            <a:effectRef idx="0">
+              <a:schemeClr val="accent1"/>
+            </a:effectRef>
+            <a:fontRef idx="minor">
+              <a:schemeClr val="lt1"/>
+            </a:fontRef>
+          </p:style>
+          <p:txBody>
+            <a:bodyPr rtlCol="0" anchor="ctr"/>
+            <a:lstStyle/>
+            <a:p>
+              <a:pPr algn="ctr"/>
+              <a:r>
+                <a:rPr lang="en-US" altLang="ja-JP" dirty="0" smtClean="0">
+                  <a:solidFill>
+                    <a:schemeClr val="tx1"/>
+                  </a:solidFill>
+                </a:rPr>
+                <a:t>CB (32, 5)</a:t>
+              </a:r>
+              <a:endParaRPr kumimoji="1" lang="ja-JP" altLang="en-US" dirty="0">
+                <a:solidFill>
+                  <a:schemeClr val="tx1"/>
+                </a:solidFill>
+              </a:endParaRPr>
+            </a:p>
+          </p:txBody>
+        </p:sp>
+        <p:sp>
+          <p:nvSpPr>
+            <p:cNvPr id="31" name="正方形/長方形 30"/>
+            <p:cNvSpPr/>
+            <p:nvPr/>
+          </p:nvSpPr>
+          <p:spPr>
+            <a:xfrm>
+              <a:off x="2691736" y="3694112"/>
+              <a:ext cx="1481328" cy="393265"/>
+            </a:xfrm>
+            <a:prstGeom prst="rect">
+              <a:avLst/>
+            </a:prstGeom>
+            <a:solidFill>
+              <a:schemeClr val="bg1"/>
+            </a:solidFill>
+          </p:spPr>
+          <p:style>
+            <a:lnRef idx="2">
+              <a:schemeClr val="accent1">
+                <a:shade val="50000"/>
+              </a:schemeClr>
+            </a:lnRef>
+            <a:fillRef idx="1">
+              <a:schemeClr val="accent1"/>
+            </a:fillRef>
+            <a:effectRef idx="0">
+              <a:schemeClr val="accent1"/>
+            </a:effectRef>
+            <a:fontRef idx="minor">
+              <a:schemeClr val="lt1"/>
+            </a:fontRef>
+          </p:style>
+          <p:txBody>
+            <a:bodyPr rtlCol="0" anchor="ctr"/>
+            <a:lstStyle/>
+            <a:p>
+              <a:pPr algn="ctr"/>
+              <a:r>
+                <a:rPr lang="en-US" altLang="ja-JP" dirty="0" smtClean="0">
+                  <a:solidFill>
+                    <a:schemeClr val="tx1"/>
+                  </a:solidFill>
+                </a:rPr>
+                <a:t>CB (128, 3)</a:t>
+              </a:r>
+              <a:endParaRPr kumimoji="1" lang="ja-JP" altLang="en-US" dirty="0">
+                <a:solidFill>
+                  <a:schemeClr val="tx1"/>
+                </a:solidFill>
+              </a:endParaRPr>
+            </a:p>
+          </p:txBody>
+        </p:sp>
+        <p:sp>
+          <p:nvSpPr>
+            <p:cNvPr id="32" name="正方形/長方形 31"/>
+            <p:cNvSpPr/>
+            <p:nvPr/>
+          </p:nvSpPr>
+          <p:spPr>
+            <a:xfrm>
+              <a:off x="949912" y="2252663"/>
+              <a:ext cx="1481328" cy="393265"/>
+            </a:xfrm>
+            <a:prstGeom prst="rect">
+              <a:avLst/>
+            </a:prstGeom>
+            <a:solidFill>
+              <a:schemeClr val="bg1"/>
+            </a:solidFill>
+          </p:spPr>
+          <p:style>
+            <a:lnRef idx="2">
+              <a:schemeClr val="accent1">
+                <a:shade val="50000"/>
+              </a:schemeClr>
+            </a:lnRef>
+            <a:fillRef idx="1">
+              <a:schemeClr val="accent1"/>
+            </a:fillRef>
+            <a:effectRef idx="0">
+              <a:schemeClr val="accent1"/>
+            </a:effectRef>
+            <a:fontRef idx="minor">
+              <a:schemeClr val="lt1"/>
+            </a:fontRef>
+          </p:style>
+          <p:txBody>
+            <a:bodyPr rtlCol="0" anchor="ctr"/>
+            <a:lstStyle/>
+            <a:p>
+              <a:pPr algn="ctr"/>
+              <a:r>
+                <a:rPr lang="en-US" altLang="ja-JP" dirty="0" smtClean="0">
+                  <a:solidFill>
+                    <a:schemeClr val="tx1"/>
+                  </a:solidFill>
+                </a:rPr>
+                <a:t>AP</a:t>
+              </a:r>
+              <a:endParaRPr kumimoji="1" lang="ja-JP" altLang="en-US" dirty="0">
+                <a:solidFill>
+                  <a:schemeClr val="tx1"/>
+                </a:solidFill>
+              </a:endParaRPr>
+            </a:p>
+          </p:txBody>
+        </p:sp>
+        <p:sp>
+          <p:nvSpPr>
+            <p:cNvPr id="33" name="正方形/長方形 32"/>
+            <p:cNvSpPr/>
+            <p:nvPr/>
+          </p:nvSpPr>
+          <p:spPr>
+            <a:xfrm>
+              <a:off x="949912" y="2973388"/>
+              <a:ext cx="1481328" cy="393265"/>
+            </a:xfrm>
+            <a:prstGeom prst="rect">
+              <a:avLst/>
+            </a:prstGeom>
+            <a:solidFill>
+              <a:schemeClr val="bg1"/>
+            </a:solidFill>
+          </p:spPr>
+          <p:style>
+            <a:lnRef idx="2">
+              <a:schemeClr val="accent1">
+                <a:shade val="50000"/>
+              </a:schemeClr>
+            </a:lnRef>
+            <a:fillRef idx="1">
+              <a:schemeClr val="accent1"/>
+            </a:fillRef>
+            <a:effectRef idx="0">
+              <a:schemeClr val="accent1"/>
+            </a:effectRef>
+            <a:fontRef idx="minor">
+              <a:schemeClr val="lt1"/>
+            </a:fontRef>
+          </p:style>
+          <p:txBody>
+            <a:bodyPr rtlCol="0" anchor="ctr"/>
+            <a:lstStyle/>
+            <a:p>
+              <a:pPr algn="ctr"/>
+              <a:r>
+                <a:rPr lang="en-US" altLang="ja-JP" dirty="0" smtClean="0">
+                  <a:solidFill>
+                    <a:schemeClr val="tx1"/>
+                  </a:solidFill>
+                </a:rPr>
+                <a:t>MP</a:t>
+              </a:r>
+              <a:endParaRPr kumimoji="1" lang="ja-JP" altLang="en-US" dirty="0">
+                <a:solidFill>
+                  <a:schemeClr val="tx1"/>
+                </a:solidFill>
+              </a:endParaRPr>
+            </a:p>
+          </p:txBody>
+        </p:sp>
+        <p:cxnSp>
+          <p:nvCxnSpPr>
+            <p:cNvPr id="35" name="直線矢印コネクタ 34"/>
+            <p:cNvCxnSpPr>
+              <a:stCxn id="7" idx="2"/>
+              <a:endCxn id="32" idx="0"/>
+            </p:cNvCxnSpPr>
+            <p:nvPr/>
+          </p:nvCxnSpPr>
+          <p:spPr>
+            <a:xfrm>
+              <a:off x="1690576" y="1925203"/>
+              <a:ext cx="0" cy="327460"/>
+            </a:xfrm>
+            <a:prstGeom prst="straightConnector1">
+              <a:avLst/>
+            </a:prstGeom>
+            <a:ln>
+              <a:tailEnd type="triangle"/>
+            </a:ln>
+          </p:spPr>
+          <p:style>
+            <a:lnRef idx="1">
+              <a:schemeClr val="accent1"/>
+            </a:lnRef>
+            <a:fillRef idx="0">
+              <a:schemeClr val="accent1"/>
+            </a:fillRef>
+            <a:effectRef idx="0">
+              <a:schemeClr val="accent1"/>
+            </a:effectRef>
+            <a:fontRef idx="minor">
+              <a:schemeClr val="tx1"/>
+            </a:fontRef>
+          </p:style>
+        </p:cxnSp>
+        <p:cxnSp>
+          <p:nvCxnSpPr>
+            <p:cNvPr id="37" name="直線矢印コネクタ 36"/>
+            <p:cNvCxnSpPr>
+              <a:stCxn id="32" idx="2"/>
+              <a:endCxn id="33" idx="0"/>
+            </p:cNvCxnSpPr>
+            <p:nvPr/>
+          </p:nvCxnSpPr>
+          <p:spPr>
+            <a:xfrm>
+              <a:off x="1690576" y="2645928"/>
+              <a:ext cx="0" cy="327460"/>
+            </a:xfrm>
+            <a:prstGeom prst="straightConnector1">
+              <a:avLst/>
+            </a:prstGeom>
+            <a:ln>
+              <a:tailEnd type="triangle"/>
+            </a:ln>
+          </p:spPr>
+          <p:style>
+            <a:lnRef idx="1">
+              <a:schemeClr val="accent1"/>
+            </a:lnRef>
+            <a:fillRef idx="0">
+              <a:schemeClr val="accent1"/>
+            </a:fillRef>
+            <a:effectRef idx="0">
+              <a:schemeClr val="accent1"/>
+            </a:effectRef>
+            <a:fontRef idx="minor">
+              <a:schemeClr val="tx1"/>
+            </a:fontRef>
+          </p:style>
+        </p:cxnSp>
+        <p:sp>
+          <p:nvSpPr>
+            <p:cNvPr id="38" name="正方形/長方形 37"/>
+            <p:cNvSpPr/>
+            <p:nvPr/>
+          </p:nvSpPr>
+          <p:spPr>
+            <a:xfrm>
+              <a:off x="2683518" y="4413250"/>
+              <a:ext cx="1481328" cy="393265"/>
+            </a:xfrm>
+            <a:prstGeom prst="rect">
+              <a:avLst/>
+            </a:prstGeom>
+            <a:solidFill>
+              <a:schemeClr val="bg1"/>
+            </a:solidFill>
+          </p:spPr>
+          <p:style>
+            <a:lnRef idx="2">
+              <a:schemeClr val="accent1">
+                <a:shade val="50000"/>
+              </a:schemeClr>
+            </a:lnRef>
+            <a:fillRef idx="1">
+              <a:schemeClr val="accent1"/>
+            </a:fillRef>
+            <a:effectRef idx="0">
+              <a:schemeClr val="accent1"/>
+            </a:effectRef>
+            <a:fontRef idx="minor">
+              <a:schemeClr val="lt1"/>
+            </a:fontRef>
+          </p:style>
+          <p:txBody>
+            <a:bodyPr rtlCol="0" anchor="ctr"/>
+            <a:lstStyle/>
+            <a:p>
+              <a:pPr algn="ctr"/>
+              <a:r>
+                <a:rPr lang="en-US" altLang="ja-JP" dirty="0" smtClean="0">
+                  <a:solidFill>
+                    <a:schemeClr val="tx1"/>
+                  </a:solidFill>
+                </a:rPr>
+                <a:t>CB (128, 5)</a:t>
+              </a:r>
+              <a:endParaRPr kumimoji="1" lang="ja-JP" altLang="en-US" dirty="0">
+                <a:solidFill>
+                  <a:schemeClr val="tx1"/>
+                </a:solidFill>
+              </a:endParaRPr>
+            </a:p>
+          </p:txBody>
+        </p:sp>
+        <p:sp>
+          <p:nvSpPr>
+            <p:cNvPr id="39" name="正方形/長方形 38"/>
+            <p:cNvSpPr/>
+            <p:nvPr/>
+          </p:nvSpPr>
+          <p:spPr>
+            <a:xfrm>
+              <a:off x="2683518" y="5132388"/>
+              <a:ext cx="1481328" cy="393265"/>
+            </a:xfrm>
+            <a:prstGeom prst="rect">
+              <a:avLst/>
+            </a:prstGeom>
+            <a:solidFill>
+              <a:schemeClr val="bg1"/>
+            </a:solidFill>
+          </p:spPr>
+          <p:style>
+            <a:lnRef idx="2">
+              <a:schemeClr val="accent1">
+                <a:shade val="50000"/>
+              </a:schemeClr>
+            </a:lnRef>
+            <a:fillRef idx="1">
+              <a:schemeClr val="accent1"/>
+            </a:fillRef>
+            <a:effectRef idx="0">
+              <a:schemeClr val="accent1"/>
+            </a:effectRef>
+            <a:fontRef idx="minor">
+              <a:schemeClr val="lt1"/>
+            </a:fontRef>
+          </p:style>
+          <p:txBody>
+            <a:bodyPr rtlCol="0" anchor="ctr"/>
+            <a:lstStyle/>
+            <a:p>
+              <a:pPr algn="ctr"/>
+              <a:r>
+                <a:rPr lang="en-US" altLang="ja-JP" dirty="0" smtClean="0">
+                  <a:solidFill>
+                    <a:schemeClr val="tx1"/>
+                  </a:solidFill>
+                </a:rPr>
+                <a:t>AP</a:t>
+              </a:r>
+              <a:endParaRPr kumimoji="1" lang="ja-JP" altLang="en-US" dirty="0">
+                <a:solidFill>
+                  <a:schemeClr val="tx1"/>
+                </a:solidFill>
+              </a:endParaRPr>
+            </a:p>
+          </p:txBody>
+        </p:sp>
+        <p:sp>
+          <p:nvSpPr>
+            <p:cNvPr id="40" name="正方形/長方形 39"/>
+            <p:cNvSpPr/>
+            <p:nvPr/>
+          </p:nvSpPr>
+          <p:spPr>
+            <a:xfrm>
+              <a:off x="949912" y="3694112"/>
+              <a:ext cx="1481328" cy="393265"/>
+            </a:xfrm>
+            <a:prstGeom prst="rect">
+              <a:avLst/>
+            </a:prstGeom>
+            <a:solidFill>
+              <a:schemeClr val="bg1"/>
+            </a:solidFill>
+          </p:spPr>
+          <p:style>
+            <a:lnRef idx="2">
+              <a:schemeClr val="accent1">
+                <a:shade val="50000"/>
+              </a:schemeClr>
+            </a:lnRef>
+            <a:fillRef idx="1">
+              <a:schemeClr val="accent1"/>
+            </a:fillRef>
+            <a:effectRef idx="0">
+              <a:schemeClr val="accent1"/>
+            </a:effectRef>
+            <a:fontRef idx="minor">
+              <a:schemeClr val="lt1"/>
+            </a:fontRef>
+          </p:style>
+          <p:txBody>
+            <a:bodyPr rtlCol="0" anchor="ctr"/>
+            <a:lstStyle/>
+            <a:p>
+              <a:pPr algn="ctr"/>
+              <a:r>
+                <a:rPr lang="en-US" altLang="ja-JP" dirty="0" smtClean="0">
+                  <a:solidFill>
+                    <a:schemeClr val="tx1"/>
+                  </a:solidFill>
+                </a:rPr>
+                <a:t>MP</a:t>
+              </a:r>
+              <a:endParaRPr kumimoji="1" lang="ja-JP" altLang="en-US" dirty="0">
+                <a:solidFill>
+                  <a:schemeClr val="tx1"/>
+                </a:solidFill>
+              </a:endParaRPr>
+            </a:p>
+          </p:txBody>
+        </p:sp>
+        <p:sp>
+          <p:nvSpPr>
+            <p:cNvPr id="41" name="正方形/長方形 40"/>
+            <p:cNvSpPr/>
+            <p:nvPr/>
+          </p:nvSpPr>
+          <p:spPr>
+            <a:xfrm>
+              <a:off x="2683518" y="5853113"/>
+              <a:ext cx="1481328" cy="393265"/>
+            </a:xfrm>
+            <a:prstGeom prst="rect">
+              <a:avLst/>
+            </a:prstGeom>
+            <a:solidFill>
+              <a:schemeClr val="bg1"/>
+            </a:solidFill>
+          </p:spPr>
+          <p:style>
+            <a:lnRef idx="2">
+              <a:schemeClr val="accent1">
+                <a:shade val="50000"/>
+              </a:schemeClr>
+            </a:lnRef>
+            <a:fillRef idx="1">
+              <a:schemeClr val="accent1"/>
+            </a:fillRef>
+            <a:effectRef idx="0">
+              <a:schemeClr val="accent1"/>
+            </a:effectRef>
+            <a:fontRef idx="minor">
+              <a:schemeClr val="lt1"/>
+            </a:fontRef>
+          </p:style>
+          <p:txBody>
+            <a:bodyPr rtlCol="0" anchor="ctr"/>
+            <a:lstStyle/>
+            <a:p>
+              <a:pPr algn="ctr"/>
+              <a:r>
+                <a:rPr lang="en-US" altLang="ja-JP" dirty="0" smtClean="0">
+                  <a:solidFill>
+                    <a:schemeClr val="tx1"/>
+                  </a:solidFill>
+                </a:rPr>
+                <a:t>CB (128, 3)</a:t>
+              </a:r>
+              <a:endParaRPr kumimoji="1" lang="ja-JP" altLang="en-US" dirty="0">
+                <a:solidFill>
+                  <a:schemeClr val="tx1"/>
+                </a:solidFill>
+              </a:endParaRPr>
+            </a:p>
+          </p:txBody>
+        </p:sp>
+        <p:sp>
+          <p:nvSpPr>
+            <p:cNvPr id="42" name="正方形/長方形 41"/>
+            <p:cNvSpPr/>
+            <p:nvPr/>
+          </p:nvSpPr>
+          <p:spPr>
+            <a:xfrm>
+              <a:off x="2683518" y="6573838"/>
+              <a:ext cx="1481328" cy="393265"/>
+            </a:xfrm>
+            <a:prstGeom prst="rect">
+              <a:avLst/>
+            </a:prstGeom>
+            <a:solidFill>
+              <a:schemeClr val="bg1"/>
+            </a:solidFill>
+          </p:spPr>
+          <p:style>
+            <a:lnRef idx="2">
+              <a:schemeClr val="accent1">
+                <a:shade val="50000"/>
+              </a:schemeClr>
+            </a:lnRef>
+            <a:fillRef idx="1">
+              <a:schemeClr val="accent1"/>
+            </a:fillRef>
+            <a:effectRef idx="0">
+              <a:schemeClr val="accent1"/>
+            </a:effectRef>
+            <a:fontRef idx="minor">
+              <a:schemeClr val="lt1"/>
+            </a:fontRef>
+          </p:style>
+          <p:txBody>
+            <a:bodyPr rtlCol="0" anchor="ctr"/>
+            <a:lstStyle/>
+            <a:p>
+              <a:pPr algn="ctr"/>
+              <a:r>
+                <a:rPr lang="en-US" altLang="ja-JP" dirty="0" smtClean="0">
+                  <a:solidFill>
+                    <a:schemeClr val="tx1"/>
+                  </a:solidFill>
+                </a:rPr>
+                <a:t>Sum</a:t>
+              </a:r>
+              <a:endParaRPr kumimoji="1" lang="ja-JP" altLang="en-US" dirty="0">
+                <a:solidFill>
+                  <a:schemeClr val="tx1"/>
+                </a:solidFill>
+              </a:endParaRPr>
+            </a:p>
+          </p:txBody>
+        </p:sp>
+        <p:cxnSp>
+          <p:nvCxnSpPr>
+            <p:cNvPr id="44" name="直線矢印コネクタ 43"/>
+            <p:cNvCxnSpPr>
+              <a:stCxn id="41" idx="2"/>
+              <a:endCxn id="42" idx="0"/>
+            </p:cNvCxnSpPr>
+            <p:nvPr/>
+          </p:nvCxnSpPr>
+          <p:spPr>
+            <a:xfrm>
+              <a:off x="3424182" y="6246378"/>
+              <a:ext cx="0" cy="327460"/>
+            </a:xfrm>
+            <a:prstGeom prst="straightConnector1">
+              <a:avLst/>
+            </a:prstGeom>
+            <a:ln>
+              <a:tailEnd type="triangle"/>
+            </a:ln>
+          </p:spPr>
+          <p:style>
+            <a:lnRef idx="1">
+              <a:schemeClr val="accent1"/>
+            </a:lnRef>
+            <a:fillRef idx="0">
+              <a:schemeClr val="accent1"/>
+            </a:fillRef>
+            <a:effectRef idx="0">
+              <a:schemeClr val="accent1"/>
+            </a:effectRef>
+            <a:fontRef idx="minor">
+              <a:schemeClr val="tx1"/>
+            </a:fontRef>
+          </p:style>
+        </p:cxnSp>
+        <p:cxnSp>
+          <p:nvCxnSpPr>
+            <p:cNvPr id="46" name="直線矢印コネクタ 45"/>
+            <p:cNvCxnSpPr>
+              <a:stCxn id="38" idx="2"/>
+              <a:endCxn id="39" idx="0"/>
+            </p:cNvCxnSpPr>
+            <p:nvPr/>
+          </p:nvCxnSpPr>
+          <p:spPr>
+            <a:xfrm>
+              <a:off x="3424182" y="4806515"/>
+              <a:ext cx="0" cy="325873"/>
+            </a:xfrm>
+            <a:prstGeom prst="straightConnector1">
+              <a:avLst/>
+            </a:prstGeom>
+            <a:ln>
+              <a:tailEnd type="triangle"/>
+            </a:ln>
+          </p:spPr>
+          <p:style>
+            <a:lnRef idx="1">
+              <a:schemeClr val="accent1"/>
+            </a:lnRef>
+            <a:fillRef idx="0">
+              <a:schemeClr val="accent1"/>
+            </a:fillRef>
+            <a:effectRef idx="0">
+              <a:schemeClr val="accent1"/>
+            </a:effectRef>
+            <a:fontRef idx="minor">
+              <a:schemeClr val="tx1"/>
+            </a:fontRef>
+          </p:style>
+        </p:cxnSp>
+        <p:cxnSp>
+          <p:nvCxnSpPr>
+            <p:cNvPr id="48" name="直線矢印コネクタ 47"/>
+            <p:cNvCxnSpPr>
+              <a:stCxn id="39" idx="2"/>
+              <a:endCxn id="41" idx="0"/>
+            </p:cNvCxnSpPr>
+            <p:nvPr/>
+          </p:nvCxnSpPr>
+          <p:spPr>
+            <a:xfrm>
+              <a:off x="3424182" y="5525653"/>
+              <a:ext cx="0" cy="327460"/>
+            </a:xfrm>
+            <a:prstGeom prst="straightConnector1">
+              <a:avLst/>
+            </a:prstGeom>
+            <a:ln>
+              <a:tailEnd type="triangle"/>
+            </a:ln>
+          </p:spPr>
+          <p:style>
+            <a:lnRef idx="1">
+              <a:schemeClr val="accent1"/>
+            </a:lnRef>
+            <a:fillRef idx="0">
+              <a:schemeClr val="accent1"/>
+            </a:fillRef>
+            <a:effectRef idx="0">
+              <a:schemeClr val="accent1"/>
+            </a:effectRef>
+            <a:fontRef idx="minor">
+              <a:schemeClr val="tx1"/>
+            </a:fontRef>
+          </p:style>
+        </p:cxnSp>
+        <p:cxnSp>
+          <p:nvCxnSpPr>
+            <p:cNvPr id="50" name="直線矢印コネクタ 49"/>
+            <p:cNvCxnSpPr>
+              <a:stCxn id="31" idx="2"/>
+              <a:endCxn id="38" idx="0"/>
+            </p:cNvCxnSpPr>
+            <p:nvPr/>
+          </p:nvCxnSpPr>
+          <p:spPr>
+            <a:xfrm flipH="1">
+              <a:off x="3424182" y="4087377"/>
+              <a:ext cx="8218" cy="325873"/>
+            </a:xfrm>
+            <a:prstGeom prst="straightConnector1">
+              <a:avLst/>
+            </a:prstGeom>
+            <a:ln>
+              <a:tailEnd type="triangle"/>
+            </a:ln>
+          </p:spPr>
+          <p:style>
+            <a:lnRef idx="1">
+              <a:schemeClr val="accent1"/>
+            </a:lnRef>
+            <a:fillRef idx="0">
+              <a:schemeClr val="accent1"/>
+            </a:fillRef>
+            <a:effectRef idx="0">
+              <a:schemeClr val="accent1"/>
+            </a:effectRef>
+            <a:fontRef idx="minor">
+              <a:schemeClr val="tx1"/>
+            </a:fontRef>
+          </p:style>
+        </p:cxnSp>
+        <p:cxnSp>
+          <p:nvCxnSpPr>
+            <p:cNvPr id="52" name="直線矢印コネクタ 51"/>
+            <p:cNvCxnSpPr>
+              <a:stCxn id="29" idx="2"/>
+              <a:endCxn id="31" idx="0"/>
+            </p:cNvCxnSpPr>
+            <p:nvPr/>
+          </p:nvCxnSpPr>
+          <p:spPr>
+            <a:xfrm>
+              <a:off x="3429000" y="3366652"/>
+              <a:ext cx="3400" cy="327460"/>
+            </a:xfrm>
+            <a:prstGeom prst="straightConnector1">
+              <a:avLst/>
+            </a:prstGeom>
+            <a:ln>
+              <a:tailEnd type="triangle"/>
+            </a:ln>
+          </p:spPr>
+          <p:style>
+            <a:lnRef idx="1">
+              <a:schemeClr val="accent1"/>
+            </a:lnRef>
+            <a:fillRef idx="0">
+              <a:schemeClr val="accent1"/>
+            </a:fillRef>
+            <a:effectRef idx="0">
+              <a:schemeClr val="accent1"/>
+            </a:effectRef>
+            <a:fontRef idx="minor">
+              <a:schemeClr val="tx1"/>
+            </a:fontRef>
+          </p:style>
+        </p:cxnSp>
+        <p:cxnSp>
+          <p:nvCxnSpPr>
+            <p:cNvPr id="54" name="直線矢印コネクタ 53"/>
+            <p:cNvCxnSpPr>
+              <a:stCxn id="33" idx="2"/>
+              <a:endCxn id="40" idx="0"/>
+            </p:cNvCxnSpPr>
+            <p:nvPr/>
+          </p:nvCxnSpPr>
+          <p:spPr>
+            <a:xfrm>
+              <a:off x="1690576" y="3366653"/>
+              <a:ext cx="0" cy="327459"/>
+            </a:xfrm>
+            <a:prstGeom prst="straightConnector1">
+              <a:avLst/>
+            </a:prstGeom>
+            <a:ln>
+              <a:tailEnd type="triangle"/>
+            </a:ln>
+          </p:spPr>
+          <p:style>
+            <a:lnRef idx="1">
+              <a:schemeClr val="accent1"/>
+            </a:lnRef>
+            <a:fillRef idx="0">
+              <a:schemeClr val="accent1"/>
+            </a:fillRef>
+            <a:effectRef idx="0">
+              <a:schemeClr val="accent1"/>
+            </a:effectRef>
+            <a:fontRef idx="minor">
+              <a:schemeClr val="tx1"/>
+            </a:fontRef>
+          </p:style>
+        </p:cxnSp>
+        <p:cxnSp>
+          <p:nvCxnSpPr>
+            <p:cNvPr id="56" name="直線矢印コネクタ 55"/>
+            <p:cNvCxnSpPr>
+              <a:stCxn id="20" idx="2"/>
+              <a:endCxn id="29" idx="0"/>
+            </p:cNvCxnSpPr>
+            <p:nvPr/>
+          </p:nvCxnSpPr>
+          <p:spPr>
+            <a:xfrm>
+              <a:off x="3424182" y="2645928"/>
+              <a:ext cx="4818" cy="327459"/>
+            </a:xfrm>
+            <a:prstGeom prst="straightConnector1">
+              <a:avLst/>
+            </a:prstGeom>
+            <a:ln>
+              <a:tailEnd type="triangle"/>
+            </a:ln>
+          </p:spPr>
+          <p:style>
+            <a:lnRef idx="1">
+              <a:schemeClr val="accent1"/>
+            </a:lnRef>
+            <a:fillRef idx="0">
+              <a:schemeClr val="accent1"/>
+            </a:fillRef>
+            <a:effectRef idx="0">
+              <a:schemeClr val="accent1"/>
+            </a:effectRef>
+            <a:fontRef idx="minor">
+              <a:schemeClr val="tx1"/>
+            </a:fontRef>
+          </p:style>
+        </p:cxnSp>
+        <p:cxnSp>
+          <p:nvCxnSpPr>
+            <p:cNvPr id="58" name="直線矢印コネクタ 57"/>
+            <p:cNvCxnSpPr>
+              <a:stCxn id="22" idx="2"/>
+              <a:endCxn id="30" idx="0"/>
+            </p:cNvCxnSpPr>
+            <p:nvPr/>
+          </p:nvCxnSpPr>
+          <p:spPr>
+            <a:xfrm>
+              <a:off x="5157788" y="3366653"/>
+              <a:ext cx="0" cy="327460"/>
+            </a:xfrm>
+            <a:prstGeom prst="straightConnector1">
+              <a:avLst/>
+            </a:prstGeom>
+            <a:ln>
+              <a:tailEnd type="triangle"/>
+            </a:ln>
+          </p:spPr>
+          <p:style>
+            <a:lnRef idx="1">
+              <a:schemeClr val="accent1"/>
+            </a:lnRef>
+            <a:fillRef idx="0">
+              <a:schemeClr val="accent1"/>
+            </a:fillRef>
+            <a:effectRef idx="0">
+              <a:schemeClr val="accent1"/>
+            </a:effectRef>
+            <a:fontRef idx="minor">
+              <a:schemeClr val="tx1"/>
+            </a:fontRef>
+          </p:style>
+        </p:cxnSp>
+        <p:sp>
+          <p:nvSpPr>
+            <p:cNvPr id="61" name="正方形/長方形 60"/>
+            <p:cNvSpPr/>
+            <p:nvPr/>
+          </p:nvSpPr>
+          <p:spPr>
+            <a:xfrm>
+              <a:off x="949912" y="4413250"/>
+              <a:ext cx="1481328" cy="393265"/>
+            </a:xfrm>
+            <a:prstGeom prst="rect">
+              <a:avLst/>
+            </a:prstGeom>
+            <a:solidFill>
+              <a:schemeClr val="bg1"/>
+            </a:solidFill>
+          </p:spPr>
+          <p:style>
+            <a:lnRef idx="2">
+              <a:schemeClr val="accent1">
+                <a:shade val="50000"/>
+              </a:schemeClr>
+            </a:lnRef>
+            <a:fillRef idx="1">
+              <a:schemeClr val="accent1"/>
+            </a:fillRef>
+            <a:effectRef idx="0">
+              <a:schemeClr val="accent1"/>
+            </a:effectRef>
+            <a:fontRef idx="minor">
+              <a:schemeClr val="lt1"/>
+            </a:fontRef>
+          </p:style>
+          <p:txBody>
+            <a:bodyPr rtlCol="0" anchor="ctr"/>
+            <a:lstStyle/>
+            <a:p>
+              <a:pPr algn="ctr"/>
+              <a:r>
+                <a:rPr lang="en-US" altLang="ja-JP" dirty="0" smtClean="0">
+                  <a:solidFill>
+                    <a:schemeClr val="tx1"/>
+                  </a:solidFill>
+                </a:rPr>
+                <a:t>CB (64, 3)</a:t>
+              </a:r>
+              <a:endParaRPr kumimoji="1" lang="ja-JP" altLang="en-US" dirty="0">
+                <a:solidFill>
+                  <a:schemeClr val="tx1"/>
+                </a:solidFill>
+              </a:endParaRPr>
+            </a:p>
+          </p:txBody>
+        </p:sp>
+        <p:cxnSp>
+          <p:nvCxnSpPr>
+            <p:cNvPr id="63" name="直線矢印コネクタ 62"/>
+            <p:cNvCxnSpPr>
+              <a:stCxn id="40" idx="2"/>
+              <a:endCxn id="61" idx="0"/>
+            </p:cNvCxnSpPr>
+            <p:nvPr/>
+          </p:nvCxnSpPr>
+          <p:spPr>
+            <a:xfrm>
+              <a:off x="1690576" y="4087377"/>
+              <a:ext cx="0" cy="325873"/>
+            </a:xfrm>
+            <a:prstGeom prst="straightConnector1">
+              <a:avLst/>
+            </a:prstGeom>
+            <a:ln>
+              <a:tailEnd type="triangle"/>
+            </a:ln>
+          </p:spPr>
+          <p:style>
+            <a:lnRef idx="1">
+              <a:schemeClr val="accent1"/>
+            </a:lnRef>
+            <a:fillRef idx="0">
+              <a:schemeClr val="accent1"/>
+            </a:fillRef>
+            <a:effectRef idx="0">
+              <a:schemeClr val="accent1"/>
+            </a:effectRef>
+            <a:fontRef idx="minor">
+              <a:schemeClr val="tx1"/>
+            </a:fontRef>
+          </p:style>
+        </p:cxnSp>
+        <p:sp>
+          <p:nvSpPr>
+            <p:cNvPr id="64" name="正方形/長方形 63"/>
+            <p:cNvSpPr/>
+            <p:nvPr/>
+          </p:nvSpPr>
+          <p:spPr>
+            <a:xfrm>
+              <a:off x="2683518" y="7292975"/>
+              <a:ext cx="1481328" cy="393265"/>
+            </a:xfrm>
+            <a:prstGeom prst="rect">
+              <a:avLst/>
+            </a:prstGeom>
+            <a:solidFill>
+              <a:schemeClr val="bg1"/>
+            </a:solidFill>
+          </p:spPr>
+          <p:style>
+            <a:lnRef idx="2">
+              <a:schemeClr val="accent1">
+                <a:shade val="50000"/>
+              </a:schemeClr>
+            </a:lnRef>
+            <a:fillRef idx="1">
+              <a:schemeClr val="accent1"/>
+            </a:fillRef>
+            <a:effectRef idx="0">
+              <a:schemeClr val="accent1"/>
+            </a:effectRef>
+            <a:fontRef idx="minor">
+              <a:schemeClr val="lt1"/>
+            </a:fontRef>
+          </p:style>
+          <p:txBody>
+            <a:bodyPr rtlCol="0" anchor="ctr"/>
+            <a:lstStyle/>
+            <a:p>
+              <a:pPr algn="ctr"/>
+              <a:r>
+                <a:rPr lang="en-US" altLang="ja-JP" dirty="0" smtClean="0">
+                  <a:solidFill>
+                    <a:schemeClr val="tx1"/>
+                  </a:solidFill>
+                </a:rPr>
+                <a:t>Sum</a:t>
+              </a:r>
+              <a:endParaRPr kumimoji="1" lang="ja-JP" altLang="en-US" dirty="0">
+                <a:solidFill>
+                  <a:schemeClr val="tx1"/>
+                </a:solidFill>
+              </a:endParaRPr>
+            </a:p>
+          </p:txBody>
+        </p:sp>
+        <p:cxnSp>
+          <p:nvCxnSpPr>
+            <p:cNvPr id="66" name="直線矢印コネクタ 65"/>
+            <p:cNvCxnSpPr>
+              <a:stCxn id="42" idx="2"/>
+              <a:endCxn id="64" idx="0"/>
+            </p:cNvCxnSpPr>
+            <p:nvPr/>
+          </p:nvCxnSpPr>
+          <p:spPr>
+            <a:xfrm>
+              <a:off x="3424182" y="6967103"/>
+              <a:ext cx="0" cy="325872"/>
+            </a:xfrm>
+            <a:prstGeom prst="straightConnector1">
+              <a:avLst/>
+            </a:prstGeom>
+            <a:ln>
+              <a:tailEnd type="triangle"/>
+            </a:ln>
+          </p:spPr>
+          <p:style>
+            <a:lnRef idx="1">
+              <a:schemeClr val="accent1"/>
+            </a:lnRef>
+            <a:fillRef idx="0">
+              <a:schemeClr val="accent1"/>
+            </a:fillRef>
+            <a:effectRef idx="0">
+              <a:schemeClr val="accent1"/>
+            </a:effectRef>
+            <a:fontRef idx="minor">
+              <a:schemeClr val="tx1"/>
+            </a:fontRef>
+          </p:style>
+        </p:cxnSp>
+        <p:sp>
+          <p:nvSpPr>
+            <p:cNvPr id="69" name="正方形/長方形 68"/>
+            <p:cNvSpPr/>
+            <p:nvPr/>
+          </p:nvSpPr>
+          <p:spPr>
+            <a:xfrm>
+              <a:off x="2683518" y="8012112"/>
+              <a:ext cx="1481328" cy="393265"/>
+            </a:xfrm>
+            <a:prstGeom prst="rect">
+              <a:avLst/>
+            </a:prstGeom>
+            <a:solidFill>
+              <a:schemeClr val="bg1"/>
+            </a:solidFill>
+          </p:spPr>
+          <p:style>
+            <a:lnRef idx="2">
+              <a:schemeClr val="accent1">
+                <a:shade val="50000"/>
+              </a:schemeClr>
+            </a:lnRef>
+            <a:fillRef idx="1">
+              <a:schemeClr val="accent1"/>
+            </a:fillRef>
+            <a:effectRef idx="0">
+              <a:schemeClr val="accent1"/>
+            </a:effectRef>
+            <a:fontRef idx="minor">
+              <a:schemeClr val="lt1"/>
+            </a:fontRef>
+          </p:style>
+          <p:txBody>
+            <a:bodyPr rtlCol="0" anchor="ctr"/>
+            <a:lstStyle/>
+            <a:p>
+              <a:pPr algn="ctr"/>
+              <a:r>
+                <a:rPr lang="en-US" altLang="ja-JP" dirty="0" smtClean="0">
+                  <a:solidFill>
+                    <a:schemeClr val="tx1"/>
+                  </a:solidFill>
+                </a:rPr>
+                <a:t>CB (128, 5)</a:t>
+              </a:r>
+              <a:endParaRPr kumimoji="1" lang="ja-JP" altLang="en-US" dirty="0">
+                <a:solidFill>
+                  <a:schemeClr val="tx1"/>
+                </a:solidFill>
+              </a:endParaRPr>
+            </a:p>
+          </p:txBody>
+        </p:sp>
+        <p:cxnSp>
+          <p:nvCxnSpPr>
+            <p:cNvPr id="71" name="直線矢印コネクタ 70"/>
+            <p:cNvCxnSpPr>
+              <a:stCxn id="69" idx="2"/>
+              <a:endCxn id="6" idx="0"/>
+            </p:cNvCxnSpPr>
+            <p:nvPr/>
+          </p:nvCxnSpPr>
+          <p:spPr>
+            <a:xfrm>
+              <a:off x="3424182" y="8405377"/>
+              <a:ext cx="472" cy="328794"/>
+            </a:xfrm>
+            <a:prstGeom prst="straightConnector1">
+              <a:avLst/>
+            </a:prstGeom>
+            <a:ln>
+              <a:tailEnd type="triangle"/>
+            </a:ln>
+          </p:spPr>
+          <p:style>
+            <a:lnRef idx="1">
+              <a:schemeClr val="accent1"/>
+            </a:lnRef>
+            <a:fillRef idx="0">
+              <a:schemeClr val="accent1"/>
+            </a:fillRef>
+            <a:effectRef idx="0">
+              <a:schemeClr val="accent1"/>
+            </a:effectRef>
+            <a:fontRef idx="minor">
+              <a:schemeClr val="tx1"/>
+            </a:fontRef>
+          </p:style>
+        </p:cxnSp>
+        <p:cxnSp>
+          <p:nvCxnSpPr>
+            <p:cNvPr id="73" name="直線矢印コネクタ 72"/>
+            <p:cNvCxnSpPr>
+              <a:stCxn id="64" idx="2"/>
+              <a:endCxn id="69" idx="0"/>
+            </p:cNvCxnSpPr>
+            <p:nvPr/>
+          </p:nvCxnSpPr>
+          <p:spPr>
+            <a:xfrm>
+              <a:off x="3424182" y="7686240"/>
+              <a:ext cx="0" cy="325872"/>
+            </a:xfrm>
+            <a:prstGeom prst="straightConnector1">
+              <a:avLst/>
+            </a:prstGeom>
+            <a:ln>
+              <a:tailEnd type="triangle"/>
+            </a:ln>
+          </p:spPr>
+          <p:style>
+            <a:lnRef idx="1">
+              <a:schemeClr val="accent1"/>
+            </a:lnRef>
+            <a:fillRef idx="0">
+              <a:schemeClr val="accent1"/>
+            </a:fillRef>
+            <a:effectRef idx="0">
+              <a:schemeClr val="accent1"/>
+            </a:effectRef>
+            <a:fontRef idx="minor">
+              <a:schemeClr val="tx1"/>
+            </a:fontRef>
+          </p:style>
+        </p:cxnSp>
+      </p:grpSp>
+    </p:spTree>
+    <p:extLst>
+      <p:ext uri="{BB962C8B-B14F-4D97-AF65-F5344CB8AC3E}">
+        <p14:creationId xmlns:p14="http://schemas.microsoft.com/office/powerpoint/2010/main" val="410237588"/>
+      </p:ext>
+    </p:extLst>
+  </p:cSld>
+  <p:clrMapOvr>
+    <a:masterClrMapping/>
+  </p:clrMapOvr>
+</p:sld>
+</file>
+
 <file path=ppt/slides/slide2.xml><?xml version="1.0" encoding="utf-8"?>
 <p:sld xmlns:a="http://schemas.openxmlformats.org/drawingml/2006/main" xmlns:r="http://schemas.openxmlformats.org/officeDocument/2006/relationships" xmlns:p="http://schemas.openxmlformats.org/presentationml/2006/main">
   <p:cSld>
@@ -22645,8 +26689,8 @@
             </a:prstGeom>
           </p:spPr>
         </p:pic>
-        <mc:AlternateContent xmlns:mc="http://schemas.openxmlformats.org/markup-compatibility/2006">
-          <mc:Choice xmlns:a14="http://schemas.microsoft.com/office/drawing/2010/main" Requires="a14">
+        <mc:AlternateContent xmlns:mc="http://schemas.openxmlformats.org/markup-compatibility/2006" xmlns:a14="http://schemas.microsoft.com/office/drawing/2010/main">
+          <mc:Choice Requires="a14">
             <p:sp>
               <p:nvSpPr>
                 <p:cNvPr id="242" name="テキスト ボックス 241"/>
@@ -22805,45 +26849,13 @@
                       <a:ea typeface="源真ゴシック等幅 Light"/>
                       <a:cs typeface="Times New Roman" panose="02020603050405020304" pitchFamily="18" charset="0"/>
                     </a:rPr>
-                    <a:t> </a:t>
-                  </a:r>
-                  <a:r>
-                    <a:rPr kumimoji="0" lang="en-US" altLang="ja-JP" sz="1100" b="0" i="0" u="none" strike="noStrike" kern="0" cap="none" spc="0" normalizeH="0" baseline="0" noProof="0" dirty="0" smtClean="0">
-                      <a:ln>
-                        <a:noFill/>
-                      </a:ln>
-                      <a:solidFill>
-                        <a:prstClr val="black"/>
-                      </a:solidFill>
-                      <a:effectLst/>
-                      <a:uLnTx/>
-                      <a:uFillTx/>
-                      <a:ea typeface="源真ゴシック等幅 Light"/>
-                      <a:cs typeface="Times New Roman" panose="02020603050405020304" pitchFamily="18" charset="0"/>
-                    </a:rPr>
-                    <a:t>receptive </a:t>
-                  </a:r>
-                  <a:r>
-                    <a:rPr kumimoji="0" lang="en-US" altLang="ja-JP" sz="1100" b="0" i="0" u="none" strike="noStrike" kern="0" cap="none" spc="0" normalizeH="0" baseline="0" noProof="0" dirty="0" smtClean="0">
-                      <a:ln>
-                        <a:noFill/>
-                      </a:ln>
-                      <a:solidFill>
-                        <a:prstClr val="black"/>
-                      </a:solidFill>
-                      <a:effectLst/>
-                      <a:uLnTx/>
-                      <a:uFillTx/>
-                      <a:ea typeface="源真ゴシック等幅 Light"/>
-                      <a:cs typeface="Times New Roman" panose="02020603050405020304" pitchFamily="18" charset="0"/>
-                    </a:rPr>
-                    <a:t>filed</a:t>
+                    <a:t> receptive filed</a:t>
                   </a:r>
                 </a:p>
               </p:txBody>
             </p:sp>
           </mc:Choice>
-          <mc:Fallback>
+          <mc:Fallback xmlns="">
             <p:sp>
               <p:nvSpPr>
                 <p:cNvPr id="242" name="テキスト ボックス 241"/>
@@ -22882,8 +26894,8 @@
             </p:sp>
           </mc:Fallback>
         </mc:AlternateContent>
-        <mc:AlternateContent xmlns:mc="http://schemas.openxmlformats.org/markup-compatibility/2006">
-          <mc:Choice xmlns:a14="http://schemas.microsoft.com/office/drawing/2010/main" Requires="a14">
+        <mc:AlternateContent xmlns:mc="http://schemas.openxmlformats.org/markup-compatibility/2006" xmlns:a14="http://schemas.microsoft.com/office/drawing/2010/main">
+          <mc:Choice Requires="a14">
             <p:sp>
               <p:nvSpPr>
                 <p:cNvPr id="254" name="テキスト ボックス 253"/>
@@ -23010,39 +27022,7 @@
                       <a:ea typeface="源真ゴシック等幅 Light"/>
                       <a:cs typeface="Times New Roman" panose="02020603050405020304" pitchFamily="18" charset="0"/>
                     </a:rPr>
-                    <a:t> </a:t>
-                  </a:r>
-                  <a:r>
-                    <a:rPr kumimoji="0" lang="en-US" altLang="ja-JP" sz="1100" b="0" i="0" u="none" strike="noStrike" kern="0" cap="none" spc="0" normalizeH="0" baseline="0" noProof="0" dirty="0" smtClean="0">
-                      <a:ln>
-                        <a:noFill/>
-                      </a:ln>
-                      <a:solidFill>
-                        <a:prstClr val="black"/>
-                      </a:solidFill>
-                      <a:effectLst/>
-                      <a:uLnTx/>
-                      <a:uFillTx/>
-                      <a:ea typeface="源真ゴシック等幅 Light"/>
-                      <a:cs typeface="Times New Roman" panose="02020603050405020304" pitchFamily="18" charset="0"/>
-                    </a:rPr>
-                    <a:t>receptive </a:t>
-                  </a:r>
-                  <a:r>
-                    <a:rPr kumimoji="0" lang="en-US" altLang="ja-JP" sz="1100" b="0" i="0" u="none" strike="noStrike" kern="0" cap="none" spc="0" normalizeH="0" baseline="0" noProof="0" dirty="0" smtClean="0">
-                      <a:ln>
-                        <a:noFill/>
-                      </a:ln>
-                      <a:solidFill>
-                        <a:prstClr val="black"/>
-                      </a:solidFill>
-                      <a:effectLst/>
-                      <a:uLnTx/>
-                      <a:uFillTx/>
-                      <a:ea typeface="源真ゴシック等幅 Light"/>
-                      <a:cs typeface="Times New Roman" panose="02020603050405020304" pitchFamily="18" charset="0"/>
-                    </a:rPr>
-                    <a:t>field</a:t>
+                    <a:t> receptive field</a:t>
                   </a:r>
                 </a:p>
                 <a:p>
@@ -23115,7 +27095,7 @@
               </p:txBody>
             </p:sp>
           </mc:Choice>
-          <mc:Fallback>
+          <mc:Fallback xmlns="">
             <p:sp>
               <p:nvSpPr>
                 <p:cNvPr id="254" name="テキスト ボックス 253"/>
@@ -23154,8 +27134,8 @@
             </p:sp>
           </mc:Fallback>
         </mc:AlternateContent>
-        <mc:AlternateContent xmlns:mc="http://schemas.openxmlformats.org/markup-compatibility/2006">
-          <mc:Choice xmlns:a14="http://schemas.microsoft.com/office/drawing/2010/main" Requires="a14">
+        <mc:AlternateContent xmlns:mc="http://schemas.openxmlformats.org/markup-compatibility/2006" xmlns:a14="http://schemas.microsoft.com/office/drawing/2010/main">
+          <mc:Choice Requires="a14">
             <p:sp>
               <p:nvSpPr>
                 <p:cNvPr id="256" name="テキスト ボックス 255"/>
@@ -23308,23 +27288,7 @@
                       <a:ea typeface="源真ゴシック等幅 Light"/>
                       <a:cs typeface="Times New Roman" panose="02020603050405020304" pitchFamily="18" charset="0"/>
                     </a:rPr>
-                    <a:t> </a:t>
-                  </a:r>
-                  <a:r>
-                    <a:rPr kumimoji="0" lang="en-US" altLang="ja-JP" sz="1100" b="0" i="0" u="none" strike="noStrike" kern="0" cap="none" spc="0" normalizeH="0" baseline="0" noProof="0" dirty="0" smtClean="0">
-                      <a:ln>
-                        <a:noFill/>
-                      </a:ln>
-                      <a:solidFill>
-                        <a:prstClr val="black"/>
-                      </a:solidFill>
-                      <a:effectLst/>
-                      <a:uLnTx/>
-                      <a:uFillTx/>
-                      <a:ea typeface="源真ゴシック等幅 Light"/>
-                      <a:cs typeface="Times New Roman" panose="02020603050405020304" pitchFamily="18" charset="0"/>
-                    </a:rPr>
-                    <a:t>receptive</a:t>
+                    <a:t> receptive</a:t>
                   </a:r>
                   <a:r>
                     <a:rPr kumimoji="0" lang="en-US" altLang="ja-JP" sz="1100" b="0" i="0" u="none" strike="noStrike" kern="0" cap="none" spc="0" normalizeH="0" noProof="0" dirty="0" smtClean="0">
@@ -23340,23 +27304,7 @@
                       <a:ea typeface="源真ゴシック等幅 Light"/>
                       <a:cs typeface="Times New Roman" panose="02020603050405020304" pitchFamily="18" charset="0"/>
                     </a:rPr>
-                    <a:t> </a:t>
-                  </a:r>
-                  <a:r>
-                    <a:rPr kumimoji="0" lang="en-US" altLang="ja-JP" sz="1100" b="0" i="0" u="none" strike="noStrike" kern="0" cap="none" spc="0" normalizeH="0" noProof="0" dirty="0" smtClean="0">
-                      <a:ln>
-                        <a:noFill/>
-                      </a:ln>
-                      <a:solidFill>
-                        <a:prstClr val="black"/>
-                      </a:solidFill>
-                      <a:effectLst/>
-                      <a:uLnTx/>
-                      <a:uFillTx/>
-                      <a:ea typeface="源真ゴシック等幅 Light"/>
-                      <a:cs typeface="Times New Roman" panose="02020603050405020304" pitchFamily="18" charset="0"/>
-                    </a:rPr>
-                    <a:t>field</a:t>
+                    <a:t> field</a:t>
                   </a:r>
                   <a:endParaRPr kumimoji="0" lang="en-US" altLang="ja-JP" sz="1100" b="0" i="0" u="none" strike="noStrike" kern="0" cap="none" spc="0" normalizeH="0" baseline="0" noProof="0" dirty="0" smtClean="0">
                     <a:ln>
@@ -23375,7 +27323,7 @@
               </p:txBody>
             </p:sp>
           </mc:Choice>
-          <mc:Fallback>
+          <mc:Fallback xmlns="">
             <p:sp>
               <p:nvSpPr>
                 <p:cNvPr id="256" name="テキスト ボックス 255"/>
@@ -23414,8 +27362,8 @@
             </p:sp>
           </mc:Fallback>
         </mc:AlternateContent>
-        <mc:AlternateContent xmlns:mc="http://schemas.openxmlformats.org/markup-compatibility/2006">
-          <mc:Choice xmlns:a14="http://schemas.microsoft.com/office/drawing/2010/main" Requires="a14">
+        <mc:AlternateContent xmlns:mc="http://schemas.openxmlformats.org/markup-compatibility/2006" xmlns:a14="http://schemas.microsoft.com/office/drawing/2010/main">
+          <mc:Choice Requires="a14">
             <p:sp>
               <p:nvSpPr>
                 <p:cNvPr id="258" name="テキスト ボックス 257"/>
@@ -23568,45 +27516,13 @@
                       <a:ea typeface="源真ゴシック等幅 Light"/>
                       <a:cs typeface="Times New Roman" panose="02020603050405020304" pitchFamily="18" charset="0"/>
                     </a:rPr>
-                    <a:t> </a:t>
-                  </a:r>
-                  <a:r>
-                    <a:rPr kumimoji="0" lang="en-US" altLang="ja-JP" sz="1100" b="0" i="0" u="none" strike="noStrike" kern="0" cap="none" spc="0" normalizeH="0" baseline="0" noProof="0" dirty="0" smtClean="0">
-                      <a:ln>
-                        <a:noFill/>
-                      </a:ln>
-                      <a:solidFill>
-                        <a:prstClr val="black"/>
-                      </a:solidFill>
-                      <a:effectLst/>
-                      <a:uLnTx/>
-                      <a:uFillTx/>
-                      <a:ea typeface="源真ゴシック等幅 Light"/>
-                      <a:cs typeface="Times New Roman" panose="02020603050405020304" pitchFamily="18" charset="0"/>
-                    </a:rPr>
-                    <a:t>receptive </a:t>
-                  </a:r>
-                  <a:r>
-                    <a:rPr kumimoji="0" lang="en-US" altLang="ja-JP" sz="1100" b="0" i="0" u="none" strike="noStrike" kern="0" cap="none" spc="0" normalizeH="0" baseline="0" noProof="0" dirty="0" smtClean="0">
-                      <a:ln>
-                        <a:noFill/>
-                      </a:ln>
-                      <a:solidFill>
-                        <a:prstClr val="black"/>
-                      </a:solidFill>
-                      <a:effectLst/>
-                      <a:uLnTx/>
-                      <a:uFillTx/>
-                      <a:ea typeface="源真ゴシック等幅 Light"/>
-                      <a:cs typeface="Times New Roman" panose="02020603050405020304" pitchFamily="18" charset="0"/>
-                    </a:rPr>
-                    <a:t>field</a:t>
+                    <a:t> receptive field</a:t>
                   </a:r>
                 </a:p>
               </p:txBody>
             </p:sp>
           </mc:Choice>
-          <mc:Fallback>
+          <mc:Fallback xmlns="">
             <p:sp>
               <p:nvSpPr>
                 <p:cNvPr id="258" name="テキスト ボックス 257"/>
@@ -36410,7 +40326,23 @@
                     <a:schemeClr val="tx1"/>
                   </a:solidFill>
                 </a:rPr>
-                <a:t>CB (128, 3)</a:t>
+                <a:t>CB (128</a:t>
+              </a:r>
+              <a:r>
+                <a:rPr lang="en-US" altLang="ja-JP" smtClean="0">
+                  <a:solidFill>
+                    <a:schemeClr val="tx1"/>
+                  </a:solidFill>
+                </a:rPr>
+                <a:t>, </a:t>
+              </a:r>
+              <a:r>
+                <a:rPr lang="en-US" altLang="ja-JP" smtClean="0">
+                  <a:solidFill>
+                    <a:schemeClr val="tx1"/>
+                  </a:solidFill>
+                </a:rPr>
+                <a:t>5)</a:t>
               </a:r>
               <a:endParaRPr kumimoji="1" lang="ja-JP" altLang="en-US" dirty="0">
                 <a:solidFill>
